--- a/Slides/Lesson 4.3 Lists of Structures.pptx
+++ b/Slides/Lesson 4.3 Lists of Structures.pptx
@@ -5,7 +5,7 @@
     <p:sldMasterId id="2147483660" r:id="rId1"/>
   </p:sldMasterIdLst>
   <p:notesMasterIdLst>
-    <p:notesMasterId r:id="rId20"/>
+    <p:notesMasterId r:id="rId22"/>
   </p:notesMasterIdLst>
   <p:sldIdLst>
     <p:sldId id="329" r:id="rId2"/>
@@ -20,17 +20,19 @@
     <p:sldId id="436" r:id="rId11"/>
     <p:sldId id="437" r:id="rId12"/>
     <p:sldId id="438" r:id="rId13"/>
-    <p:sldId id="440" r:id="rId14"/>
-    <p:sldId id="439" r:id="rId15"/>
-    <p:sldId id="335" r:id="rId16"/>
-    <p:sldId id="340" r:id="rId17"/>
-    <p:sldId id="341" r:id="rId18"/>
-    <p:sldId id="342" r:id="rId19"/>
+    <p:sldId id="442" r:id="rId14"/>
+    <p:sldId id="441" r:id="rId15"/>
+    <p:sldId id="440" r:id="rId16"/>
+    <p:sldId id="439" r:id="rId17"/>
+    <p:sldId id="335" r:id="rId18"/>
+    <p:sldId id="340" r:id="rId19"/>
+    <p:sldId id="341" r:id="rId20"/>
+    <p:sldId id="342" r:id="rId21"/>
   </p:sldIdLst>
   <p:sldSz cx="9144000" cy="6858000" type="screen4x3"/>
   <p:notesSz cx="6858000" cy="9144000"/>
   <p:custDataLst>
-    <p:tags r:id="rId21"/>
+    <p:tags r:id="rId23"/>
   </p:custDataLst>
   <p:defaultTextStyle>
     <a:defPPr>
@@ -144,6 +146,8 @@
             <p14:sldId id="436"/>
             <p14:sldId id="437"/>
             <p14:sldId id="438"/>
+            <p14:sldId id="442"/>
+            <p14:sldId id="441"/>
             <p14:sldId id="440"/>
             <p14:sldId id="439"/>
             <p14:sldId id="335"/>
@@ -255,7 +259,7 @@
             <a:fld id="{CF8F25F6-E1EF-4065-8525-42EDEBD9BD22}" type="datetimeFigureOut">
               <a:rPr lang="en-US" smtClean="0"/>
               <a:pPr/>
-              <a:t>8/3/2017</a:t>
+              <a:t>8/6/2017</a:t>
             </a:fld>
             <a:endParaRPr lang="en-US"/>
           </a:p>
@@ -740,6 +744,91 @@
         </p:nvSpPr>
         <p:spPr/>
         <p:txBody>
+          <a:bodyPr/>
+          <a:lstStyle/>
+          <a:p>
+            <a:endParaRPr lang="en-US" dirty="0"/>
+          </a:p>
+        </p:txBody>
+      </p:sp>
+      <p:sp>
+        <p:nvSpPr>
+          <p:cNvPr id="4" name="Slide Number Placeholder 3"/>
+          <p:cNvSpPr>
+            <a:spLocks noGrp="1"/>
+          </p:cNvSpPr>
+          <p:nvPr>
+            <p:ph type="sldNum" sz="quarter" idx="10"/>
+          </p:nvPr>
+        </p:nvSpPr>
+        <p:spPr/>
+        <p:txBody>
+          <a:bodyPr/>
+          <a:lstStyle/>
+          <a:p>
+            <a:fld id="{00E1DFD8-B619-4FFF-B366-BDCC98D08110}" type="slidenum">
+              <a:rPr lang="en-US" smtClean="0"/>
+              <a:pPr/>
+              <a:t>13</a:t>
+            </a:fld>
+            <a:endParaRPr lang="en-US"/>
+          </a:p>
+        </p:txBody>
+      </p:sp>
+    </p:spTree>
+    <p:extLst>
+      <p:ext uri="{BB962C8B-B14F-4D97-AF65-F5344CB8AC3E}">
+        <p14:creationId xmlns:p14="http://schemas.microsoft.com/office/powerpoint/2010/main" val="3553488020"/>
+      </p:ext>
+    </p:extLst>
+  </p:cSld>
+  <p:clrMapOvr>
+    <a:masterClrMapping/>
+  </p:clrMapOvr>
+</p:notes>
+</file>
+
+<file path=ppt/notesSlides/notesSlide4.xml><?xml version="1.0" encoding="utf-8"?>
+<p:notes xmlns:a="http://schemas.openxmlformats.org/drawingml/2006/main" xmlns:r="http://schemas.openxmlformats.org/officeDocument/2006/relationships" xmlns:p="http://schemas.openxmlformats.org/presentationml/2006/main">
+  <p:cSld>
+    <p:spTree>
+      <p:nvGrpSpPr>
+        <p:cNvPr id="1" name=""/>
+        <p:cNvGrpSpPr/>
+        <p:nvPr/>
+      </p:nvGrpSpPr>
+      <p:grpSpPr>
+        <a:xfrm>
+          <a:off x="0" y="0"/>
+          <a:ext cx="0" cy="0"/>
+          <a:chOff x="0" y="0"/>
+          <a:chExt cx="0" cy="0"/>
+        </a:xfrm>
+      </p:grpSpPr>
+      <p:sp>
+        <p:nvSpPr>
+          <p:cNvPr id="2" name="Slide Image Placeholder 1"/>
+          <p:cNvSpPr>
+            <a:spLocks noGrp="1" noRot="1" noChangeAspect="1"/>
+          </p:cNvSpPr>
+          <p:nvPr>
+            <p:ph type="sldImg"/>
+          </p:nvPr>
+        </p:nvSpPr>
+        <p:spPr/>
+      </p:sp>
+      <p:sp>
+        <p:nvSpPr>
+          <p:cNvPr id="3" name="Notes Placeholder 2"/>
+          <p:cNvSpPr>
+            <a:spLocks noGrp="1"/>
+          </p:cNvSpPr>
+          <p:nvPr>
+            <p:ph type="body" idx="1"/>
+          </p:nvPr>
+        </p:nvSpPr>
+        <p:spPr/>
+        <p:txBody>
           <a:bodyPr>
             <a:normAutofit/>
           </a:bodyPr>
@@ -767,7 +856,7 @@
             <a:fld id="{00E1DFD8-B619-4FFF-B366-BDCC98D08110}" type="slidenum">
               <a:rPr lang="en-US" smtClean="0"/>
               <a:pPr/>
-              <a:t>16</a:t>
+              <a:t>18</a:t>
             </a:fld>
             <a:endParaRPr lang="en-US"/>
           </a:p>
@@ -965,7 +1054,7 @@
           <a:p>
             <a:fld id="{2F1F79F5-7BEC-496A-AFC7-876E38F64D71}" type="datetime1">
               <a:rPr lang="en-US" smtClean="0"/>
-              <a:t>8/3/2017</a:t>
+              <a:t>8/6/2017</a:t>
             </a:fld>
             <a:endParaRPr lang="en-US"/>
           </a:p>
@@ -1060,7 +1149,7 @@
           <a:p>
             <a:fld id="{0A05703A-7669-4FEA-9056-25299B4D29D4}" type="datetime1">
               <a:rPr lang="en-US" smtClean="0"/>
-              <a:t>8/3/2017</a:t>
+              <a:t>8/6/2017</a:t>
             </a:fld>
             <a:endParaRPr lang="en-US"/>
           </a:p>
@@ -1335,7 +1424,7 @@
           <a:p>
             <a:fld id="{6E5077B5-BB57-49DB-88CA-226A139E5C01}" type="datetime1">
               <a:rPr lang="en-US" smtClean="0"/>
-              <a:t>8/3/2017</a:t>
+              <a:t>8/6/2017</a:t>
             </a:fld>
             <a:endParaRPr lang="en-US"/>
           </a:p>
@@ -1587,7 +1676,7 @@
           <a:p>
             <a:fld id="{C48D9447-CBD6-49A1-89FD-8512A8CF8999}" type="datetime1">
               <a:rPr lang="en-US" smtClean="0"/>
-              <a:t>8/3/2017</a:t>
+              <a:t>8/6/2017</a:t>
             </a:fld>
             <a:endParaRPr lang="en-US"/>
           </a:p>
@@ -1755,7 +1844,7 @@
           <a:p>
             <a:fld id="{A3639A2A-823D-48B7-9ACE-7FAF42870BA9}" type="datetime1">
               <a:rPr lang="en-US" smtClean="0"/>
-              <a:t>8/3/2017</a:t>
+              <a:t>8/6/2017</a:t>
             </a:fld>
             <a:endParaRPr lang="en-US"/>
           </a:p>
@@ -1933,7 +2022,7 @@
           <a:p>
             <a:fld id="{ED1B6996-82E9-463C-972C-7B56056E426C}" type="datetime1">
               <a:rPr lang="en-US" smtClean="0"/>
-              <a:t>8/3/2017</a:t>
+              <a:t>8/6/2017</a:t>
             </a:fld>
             <a:endParaRPr lang="en-US"/>
           </a:p>
@@ -2107,7 +2196,7 @@
           <a:p>
             <a:fld id="{E22ED4DA-448D-4BB1-B935-CC112220207B}" type="datetime1">
               <a:rPr lang="en-US" smtClean="0"/>
-              <a:t>8/3/2017</a:t>
+              <a:t>8/6/2017</a:t>
             </a:fld>
             <a:endParaRPr lang="en-US"/>
           </a:p>
@@ -2280,7 +2369,7 @@
           <a:p>
             <a:fld id="{E22ED4DA-448D-4BB1-B935-CC112220207B}" type="datetime1">
               <a:rPr lang="en-US" smtClean="0"/>
-              <a:t>8/3/2017</a:t>
+              <a:t>8/6/2017</a:t>
             </a:fld>
             <a:endParaRPr lang="en-US"/>
           </a:p>
@@ -2540,7 +2629,7 @@
           <a:p>
             <a:fld id="{FF5D65A6-AB94-4435-B0B7-3743215FA46C}" type="datetime1">
               <a:rPr lang="en-US" smtClean="0"/>
-              <a:t>8/3/2017</a:t>
+              <a:t>8/6/2017</a:t>
             </a:fld>
             <a:endParaRPr lang="en-US"/>
           </a:p>
@@ -2716,7 +2805,7 @@
           <a:p>
             <a:fld id="{FF5D65A6-AB94-4435-B0B7-3743215FA46C}" type="datetime1">
               <a:rPr lang="en-US" smtClean="0"/>
-              <a:t>8/3/2017</a:t>
+              <a:t>8/6/2017</a:t>
             </a:fld>
             <a:endParaRPr lang="en-US"/>
           </a:p>
@@ -3010,7 +3099,7 @@
           <a:p>
             <a:fld id="{7C193DC4-6EF0-48C9-B29C-616106A645E1}" type="datetime1">
               <a:rPr lang="en-US" smtClean="0"/>
-              <a:t>8/3/2017</a:t>
+              <a:t>8/6/2017</a:t>
             </a:fld>
             <a:endParaRPr lang="en-US"/>
           </a:p>
@@ -3295,7 +3384,7 @@
           <a:p>
             <a:fld id="{5D1846AD-9252-4647-9435-4C2AC365653A}" type="datetime1">
               <a:rPr lang="en-US" smtClean="0"/>
-              <a:t>8/3/2017</a:t>
+              <a:t>8/6/2017</a:t>
             </a:fld>
             <a:endParaRPr lang="en-US"/>
           </a:p>
@@ -3714,7 +3803,7 @@
           <a:p>
             <a:fld id="{CE56DC10-3561-4063-A6AF-C1CC7A41040A}" type="datetime1">
               <a:rPr lang="en-US" smtClean="0"/>
-              <a:t>8/3/2017</a:t>
+              <a:t>8/6/2017</a:t>
             </a:fld>
             <a:endParaRPr lang="en-US"/>
           </a:p>
@@ -3831,7 +3920,7 @@
           <a:p>
             <a:fld id="{2F7B77F5-1464-4F6B-92A8-64FC8A508293}" type="datetime1">
               <a:rPr lang="en-US" smtClean="0"/>
-              <a:t>8/3/2017</a:t>
+              <a:t>8/6/2017</a:t>
             </a:fld>
             <a:endParaRPr lang="en-US"/>
           </a:p>
@@ -4054,7 +4143,7 @@
           <a:p>
             <a:fld id="{02B3F677-983B-48DB-ADFD-63FE6CBC7FB2}" type="datetime1">
               <a:rPr lang="en-US" smtClean="0"/>
-              <a:t>8/3/2017</a:t>
+              <a:t>8/6/2017</a:t>
             </a:fld>
             <a:endParaRPr lang="en-US"/>
           </a:p>
@@ -5504,6 +5593,35 @@
       </p:grpSpPr>
       <p:sp>
         <p:nvSpPr>
+          <p:cNvPr id="3" name="TextBox 2"/>
+          <p:cNvSpPr txBox="1"/>
+          <p:nvPr/>
+        </p:nvSpPr>
+        <p:spPr>
+          <a:xfrm>
+            <a:off x="3069997" y="2561994"/>
+            <a:ext cx="1847850" cy="369332"/>
+          </a:xfrm>
+          <a:prstGeom prst="rect">
+            <a:avLst/>
+          </a:prstGeom>
+          <a:noFill/>
+        </p:spPr>
+        <p:txBody>
+          <a:bodyPr wrap="square" rtlCol="0">
+            <a:spAutoFit/>
+          </a:bodyPr>
+          <a:lstStyle/>
+          <a:p>
+            <a:r>
+              <a:rPr lang="en-US" dirty="0"/>
+              <a:t>is-component-of</a:t>
+            </a:r>
+          </a:p>
+        </p:txBody>
+      </p:sp>
+      <p:sp>
+        <p:nvSpPr>
           <p:cNvPr id="2" name="Title 1"/>
           <p:cNvSpPr>
             <a:spLocks noGrp="1"/>
@@ -5512,174 +5630,23 @@
             <p:ph type="title"/>
           </p:nvPr>
         </p:nvSpPr>
-        <p:spPr/>
-        <p:txBody>
-          <a:bodyPr>
+        <p:spPr>
+          <a:ln w="25400">
+            <a:solidFill>
+              <a:schemeClr val="accent1"/>
+            </a:solidFill>
+          </a:ln>
+        </p:spPr>
+        <p:txBody>
+          <a:bodyPr vert="horz" lIns="91440" tIns="45720" rIns="91440" bIns="45720" rtlCol="0" anchor="ctr">
             <a:normAutofit fontScale="90000"/>
           </a:bodyPr>
           <a:lstStyle/>
           <a:p>
             <a:r>
               <a:rPr lang="en-US" dirty="0"/>
-              <a:t>Example function: </a:t>
-            </a:r>
-            <a:r>
-              <a:rPr lang="en-US" b="1" dirty="0"/>
-              <a:t>inventory-authors</a:t>
-            </a:r>
-          </a:p>
-        </p:txBody>
-      </p:sp>
-      <p:sp>
-        <p:nvSpPr>
-          <p:cNvPr id="3" name="Content Placeholder 2"/>
-          <p:cNvSpPr>
-            <a:spLocks noGrp="1"/>
-          </p:cNvSpPr>
-          <p:nvPr>
-            <p:ph idx="1"/>
-          </p:nvPr>
-        </p:nvSpPr>
-        <p:spPr/>
-        <p:txBody>
-          <a:bodyPr>
-            <a:normAutofit fontScale="47500" lnSpcReduction="20000"/>
-          </a:bodyPr>
-          <a:lstStyle/>
-          <a:p>
-            <a:r>
-              <a:rPr lang="en-US" dirty="0"/>
-              <a:t>;; inventory-authors : Inventory -&gt; </a:t>
-            </a:r>
-            <a:r>
-              <a:rPr lang="en-US" dirty="0" err="1"/>
-              <a:t>AuthorList</a:t>
-            </a:r>
-            <a:endParaRPr lang="en-US" dirty="0"/>
-          </a:p>
-          <a:p>
-            <a:r>
-              <a:rPr lang="en-US" dirty="0"/>
-              <a:t>;; GIVEN: An Inventory</a:t>
-            </a:r>
-          </a:p>
-          <a:p>
-            <a:r>
-              <a:rPr lang="en-US" dirty="0"/>
-              <a:t>;; RETURNS: A list of the all the authors of the books in the</a:t>
-            </a:r>
-          </a:p>
-          <a:p>
-            <a:r>
-              <a:rPr lang="en-US" dirty="0"/>
-              <a:t>;; inventory.  Repetitions are allowed.  Books with no copies in stock</a:t>
-            </a:r>
-          </a:p>
-          <a:p>
-            <a:r>
-              <a:rPr lang="en-US" dirty="0"/>
-              <a:t>;; are included. The authors may appear in any order.</a:t>
-            </a:r>
-          </a:p>
-          <a:p>
-            <a:r>
-              <a:rPr lang="en-US" dirty="0"/>
-              <a:t>;; EXAMPLE: (inventory-authors inv1) </a:t>
-            </a:r>
-          </a:p>
-          <a:p>
-            <a:r>
-              <a:rPr lang="en-US" dirty="0"/>
-              <a:t>            = (list "</a:t>
-            </a:r>
-            <a:r>
-              <a:rPr lang="en-US" dirty="0" err="1"/>
-              <a:t>Felleisen</a:t>
-            </a:r>
-            <a:r>
-              <a:rPr lang="en-US" dirty="0"/>
-              <a:t>" "Wand" "Shakespeare" "Shakespeare")</a:t>
-            </a:r>
-          </a:p>
-          <a:p>
-            <a:r>
-              <a:rPr lang="en-US" dirty="0"/>
-              <a:t>;; STRATEGY: Use observer template for Inventory</a:t>
-            </a:r>
-          </a:p>
-          <a:p>
-            <a:endParaRPr lang="en-US" dirty="0"/>
-          </a:p>
-          <a:p>
-            <a:r>
-              <a:rPr lang="en-US" dirty="0"/>
-              <a:t>(define (inventory-authors </a:t>
-            </a:r>
-            <a:r>
-              <a:rPr lang="en-US" dirty="0" err="1"/>
-              <a:t>inv</a:t>
-            </a:r>
-            <a:r>
-              <a:rPr lang="en-US" dirty="0"/>
-              <a:t>)</a:t>
-            </a:r>
-          </a:p>
-          <a:p>
-            <a:r>
-              <a:rPr lang="en-US" dirty="0"/>
-              <a:t>  (cond</a:t>
-            </a:r>
-          </a:p>
-          <a:p>
-            <a:r>
-              <a:rPr lang="en-US" dirty="0"/>
-              <a:t>    [(empty? </a:t>
-            </a:r>
-            <a:r>
-              <a:rPr lang="en-US" dirty="0" err="1"/>
-              <a:t>inv</a:t>
-            </a:r>
-            <a:r>
-              <a:rPr lang="en-US" dirty="0"/>
-              <a:t>) empty]</a:t>
-            </a:r>
-          </a:p>
-          <a:p>
-            <a:r>
-              <a:rPr lang="en-US" dirty="0"/>
-              <a:t>    [else (cons</a:t>
-            </a:r>
-          </a:p>
-          <a:p>
-            <a:r>
-              <a:rPr lang="en-US" dirty="0"/>
-              <a:t>           (book-status-author (first </a:t>
-            </a:r>
-            <a:r>
-              <a:rPr lang="en-US" dirty="0" err="1"/>
-              <a:t>inv</a:t>
-            </a:r>
-            <a:r>
-              <a:rPr lang="en-US" dirty="0"/>
-              <a:t>))</a:t>
-            </a:r>
-          </a:p>
-          <a:p>
-            <a:r>
-              <a:rPr lang="en-US" dirty="0"/>
-              <a:t>           (inventory-authors  (rest </a:t>
-            </a:r>
-            <a:r>
-              <a:rPr lang="en-US" dirty="0" err="1"/>
-              <a:t>inv</a:t>
-            </a:r>
-            <a:r>
-              <a:rPr lang="en-US" dirty="0"/>
-              <a:t>)))]))</a:t>
-            </a:r>
-          </a:p>
-          <a:p>
-            <a:endParaRPr lang="en-US" dirty="0"/>
+              <a:t>Remember: The Shape of the Program Follows the Shape of the Data</a:t>
+            </a:r>
           </a:p>
         </p:txBody>
       </p:sp>
@@ -5698,18 +5665,521 @@
           <a:bodyPr/>
           <a:lstStyle/>
           <a:p>
-            <a:fld id="{2AF3B5EA-18B6-4040-9F78-6052AF49C681}" type="slidenum">
+            <a:fld id="{8D704B19-8EED-495A-99FA-12E5518CCC54}" type="slidenum">
               <a:rPr lang="en-US" smtClean="0"/>
+              <a:pPr/>
               <a:t>13</a:t>
             </a:fld>
             <a:endParaRPr lang="en-US"/>
           </a:p>
         </p:txBody>
       </p:sp>
+      <p:sp>
+        <p:nvSpPr>
+          <p:cNvPr id="27" name="TextBox 26"/>
+          <p:cNvSpPr txBox="1"/>
+          <p:nvPr/>
+        </p:nvSpPr>
+        <p:spPr>
+          <a:xfrm>
+            <a:off x="1295400" y="4648200"/>
+            <a:ext cx="2209800" cy="1477328"/>
+          </a:xfrm>
+          <a:prstGeom prst="rect">
+            <a:avLst/>
+          </a:prstGeom>
+          <a:solidFill>
+            <a:schemeClr val="accent1">
+              <a:lumMod val="20000"/>
+              <a:lumOff val="80000"/>
+            </a:schemeClr>
+          </a:solidFill>
+        </p:spPr>
+        <p:txBody>
+          <a:bodyPr wrap="square" rtlCol="0">
+            <a:spAutoFit/>
+          </a:bodyPr>
+          <a:lstStyle/>
+          <a:p>
+            <a:r>
+              <a:rPr lang="en-US" dirty="0"/>
+              <a:t>Data Hierarchy (a non-empty inventory contains a </a:t>
+            </a:r>
+            <a:r>
+              <a:rPr lang="en-US" dirty="0" err="1"/>
+              <a:t>BookStatus</a:t>
+            </a:r>
+            <a:r>
+              <a:rPr lang="en-US" dirty="0"/>
+              <a:t> and another Inventory)</a:t>
+            </a:r>
+          </a:p>
+        </p:txBody>
+      </p:sp>
+      <p:sp>
+        <p:nvSpPr>
+          <p:cNvPr id="28" name="TextBox 27"/>
+          <p:cNvSpPr txBox="1"/>
+          <p:nvPr/>
+        </p:nvSpPr>
+        <p:spPr>
+          <a:xfrm flipH="1">
+            <a:off x="5225315" y="4966078"/>
+            <a:ext cx="2057400" cy="923330"/>
+          </a:xfrm>
+          <a:prstGeom prst="rect">
+            <a:avLst/>
+          </a:prstGeom>
+          <a:solidFill>
+            <a:schemeClr val="accent1">
+              <a:lumMod val="20000"/>
+              <a:lumOff val="80000"/>
+            </a:schemeClr>
+          </a:solidFill>
+        </p:spPr>
+        <p:txBody>
+          <a:bodyPr wrap="square" rtlCol="0">
+            <a:spAutoFit/>
+          </a:bodyPr>
+          <a:lstStyle/>
+          <a:p>
+            <a:r>
+              <a:rPr lang="en-US" dirty="0"/>
+              <a:t>Call Tree (</a:t>
+            </a:r>
+            <a:r>
+              <a:rPr lang="en-US" b="1" dirty="0" err="1"/>
+              <a:t>inv-fn</a:t>
+            </a:r>
+            <a:r>
+              <a:rPr lang="en-US" b="1" dirty="0"/>
+              <a:t> </a:t>
+            </a:r>
+            <a:r>
+              <a:rPr lang="en-US" dirty="0"/>
+              <a:t>calls itself and </a:t>
+            </a:r>
+            <a:r>
+              <a:rPr lang="en-US" b="1" dirty="0"/>
+              <a:t>book-status-</a:t>
+            </a:r>
+            <a:r>
+              <a:rPr lang="en-US" b="1" dirty="0" err="1"/>
+              <a:t>fn</a:t>
+            </a:r>
+            <a:r>
+              <a:rPr lang="en-US" dirty="0"/>
+              <a:t>)</a:t>
+            </a:r>
+          </a:p>
+        </p:txBody>
+      </p:sp>
+      <p:sp>
+        <p:nvSpPr>
+          <p:cNvPr id="17" name="TextBox 16"/>
+          <p:cNvSpPr txBox="1"/>
+          <p:nvPr/>
+        </p:nvSpPr>
+        <p:spPr>
+          <a:xfrm>
+            <a:off x="7134302" y="2547455"/>
+            <a:ext cx="586640" cy="369332"/>
+          </a:xfrm>
+          <a:prstGeom prst="rect">
+            <a:avLst/>
+          </a:prstGeom>
+          <a:noFill/>
+        </p:spPr>
+        <p:txBody>
+          <a:bodyPr wrap="square" rtlCol="0">
+            <a:spAutoFit/>
+          </a:bodyPr>
+          <a:lstStyle/>
+          <a:p>
+            <a:r>
+              <a:rPr lang="en-US" dirty="0"/>
+              <a:t>calls</a:t>
+            </a:r>
+          </a:p>
+        </p:txBody>
+      </p:sp>
+      <p:grpSp>
+        <p:nvGrpSpPr>
+          <p:cNvPr id="14" name="Group 13"/>
+          <p:cNvGrpSpPr/>
+          <p:nvPr/>
+        </p:nvGrpSpPr>
+        <p:grpSpPr>
+          <a:xfrm>
+            <a:off x="1007107" y="1792745"/>
+            <a:ext cx="3475343" cy="2630970"/>
+            <a:chOff x="1007107" y="1792745"/>
+            <a:chExt cx="3475343" cy="2630970"/>
+          </a:xfrm>
+        </p:grpSpPr>
+        <p:sp>
+          <p:nvSpPr>
+            <p:cNvPr id="25" name="Rectangle 24"/>
+            <p:cNvSpPr/>
+            <p:nvPr/>
+          </p:nvSpPr>
+          <p:spPr>
+            <a:xfrm>
+              <a:off x="1731008" y="2336194"/>
+              <a:ext cx="1143000" cy="762000"/>
+            </a:xfrm>
+            <a:prstGeom prst="rect">
+              <a:avLst/>
+            </a:prstGeom>
+          </p:spPr>
+          <p:style>
+            <a:lnRef idx="2">
+              <a:schemeClr val="dk1"/>
+            </a:lnRef>
+            <a:fillRef idx="1">
+              <a:schemeClr val="lt1"/>
+            </a:fillRef>
+            <a:effectRef idx="0">
+              <a:schemeClr val="dk1"/>
+            </a:effectRef>
+            <a:fontRef idx="minor">
+              <a:schemeClr val="dk1"/>
+            </a:fontRef>
+          </p:style>
+          <p:txBody>
+            <a:bodyPr rtlCol="0" anchor="ctr"/>
+            <a:lstStyle/>
+            <a:p>
+              <a:pPr algn="ctr"/>
+              <a:r>
+                <a:rPr lang="en-US" dirty="0"/>
+                <a:t>Inventory</a:t>
+              </a:r>
+            </a:p>
+          </p:txBody>
+        </p:sp>
+        <p:sp>
+          <p:nvSpPr>
+            <p:cNvPr id="9" name="Arc 8"/>
+            <p:cNvSpPr/>
+            <p:nvPr/>
+          </p:nvSpPr>
+          <p:spPr>
+            <a:xfrm rot="8189719">
+              <a:off x="2527952" y="1792745"/>
+              <a:ext cx="1954498" cy="1878750"/>
+            </a:xfrm>
+            <a:prstGeom prst="arc">
+              <a:avLst>
+                <a:gd name="adj1" fmla="val 4110541"/>
+                <a:gd name="adj2" fmla="val 1237007"/>
+              </a:avLst>
+            </a:prstGeom>
+            <a:ln w="25400">
+              <a:solidFill>
+                <a:schemeClr val="tx1"/>
+              </a:solidFill>
+              <a:tailEnd type="triangle" w="lg" len="lg"/>
+            </a:ln>
+          </p:spPr>
+          <p:style>
+            <a:lnRef idx="1">
+              <a:schemeClr val="accent1"/>
+            </a:lnRef>
+            <a:fillRef idx="0">
+              <a:schemeClr val="accent1"/>
+            </a:fillRef>
+            <a:effectRef idx="0">
+              <a:schemeClr val="accent1"/>
+            </a:effectRef>
+            <a:fontRef idx="minor">
+              <a:schemeClr val="tx1"/>
+            </a:fontRef>
+          </p:style>
+          <p:txBody>
+            <a:bodyPr rtlCol="0" anchor="ctr"/>
+            <a:lstStyle/>
+            <a:p>
+              <a:pPr algn="ctr"/>
+              <a:endParaRPr lang="en-US"/>
+            </a:p>
+          </p:txBody>
+        </p:sp>
+        <p:sp>
+          <p:nvSpPr>
+            <p:cNvPr id="26" name="Rectangle 25"/>
+            <p:cNvSpPr/>
+            <p:nvPr/>
+          </p:nvSpPr>
+          <p:spPr>
+            <a:xfrm>
+              <a:off x="1007107" y="3661715"/>
+              <a:ext cx="1231267" cy="762000"/>
+            </a:xfrm>
+            <a:prstGeom prst="rect">
+              <a:avLst/>
+            </a:prstGeom>
+          </p:spPr>
+          <p:style>
+            <a:lnRef idx="2">
+              <a:schemeClr val="dk1"/>
+            </a:lnRef>
+            <a:fillRef idx="1">
+              <a:schemeClr val="lt1"/>
+            </a:fillRef>
+            <a:effectRef idx="0">
+              <a:schemeClr val="dk1"/>
+            </a:effectRef>
+            <a:fontRef idx="minor">
+              <a:schemeClr val="dk1"/>
+            </a:fontRef>
+          </p:style>
+          <p:txBody>
+            <a:bodyPr rtlCol="0" anchor="ctr"/>
+            <a:lstStyle/>
+            <a:p>
+              <a:pPr algn="ctr"/>
+              <a:r>
+                <a:rPr lang="en-US" dirty="0" err="1"/>
+                <a:t>BookStatus</a:t>
+              </a:r>
+              <a:endParaRPr lang="en-US" dirty="0"/>
+            </a:p>
+          </p:txBody>
+        </p:sp>
+        <p:cxnSp>
+          <p:nvCxnSpPr>
+            <p:cNvPr id="12" name="Straight Arrow Connector 11"/>
+            <p:cNvCxnSpPr>
+              <a:stCxn id="26" idx="0"/>
+            </p:cNvCxnSpPr>
+            <p:nvPr/>
+          </p:nvCxnSpPr>
+          <p:spPr>
+            <a:xfrm flipV="1">
+              <a:off x="1622741" y="3114120"/>
+              <a:ext cx="444184" cy="547595"/>
+            </a:xfrm>
+            <a:prstGeom prst="straightConnector1">
+              <a:avLst/>
+            </a:prstGeom>
+            <a:ln w="25400">
+              <a:solidFill>
+                <a:schemeClr val="tx1"/>
+              </a:solidFill>
+              <a:tailEnd type="triangle" w="lg" len="lg"/>
+            </a:ln>
+          </p:spPr>
+          <p:style>
+            <a:lnRef idx="1">
+              <a:schemeClr val="accent1"/>
+            </a:lnRef>
+            <a:fillRef idx="0">
+              <a:schemeClr val="accent1"/>
+            </a:fillRef>
+            <a:effectRef idx="0">
+              <a:schemeClr val="accent1"/>
+            </a:effectRef>
+            <a:fontRef idx="minor">
+              <a:schemeClr val="tx1"/>
+            </a:fontRef>
+          </p:style>
+        </p:cxnSp>
+      </p:grpSp>
+      <p:grpSp>
+        <p:nvGrpSpPr>
+          <p:cNvPr id="32" name="Group 31"/>
+          <p:cNvGrpSpPr/>
+          <p:nvPr/>
+        </p:nvGrpSpPr>
+        <p:grpSpPr>
+          <a:xfrm>
+            <a:off x="4860697" y="1798714"/>
+            <a:ext cx="3475343" cy="2630970"/>
+            <a:chOff x="1007107" y="1792745"/>
+            <a:chExt cx="3475343" cy="2630970"/>
+          </a:xfrm>
+        </p:grpSpPr>
+        <p:sp>
+          <p:nvSpPr>
+            <p:cNvPr id="33" name="Rectangle 32"/>
+            <p:cNvSpPr/>
+            <p:nvPr/>
+          </p:nvSpPr>
+          <p:spPr>
+            <a:xfrm>
+              <a:off x="1731008" y="2336194"/>
+              <a:ext cx="1143000" cy="762000"/>
+            </a:xfrm>
+            <a:prstGeom prst="rect">
+              <a:avLst/>
+            </a:prstGeom>
+          </p:spPr>
+          <p:style>
+            <a:lnRef idx="2">
+              <a:schemeClr val="dk1"/>
+            </a:lnRef>
+            <a:fillRef idx="1">
+              <a:schemeClr val="lt1"/>
+            </a:fillRef>
+            <a:effectRef idx="0">
+              <a:schemeClr val="dk1"/>
+            </a:effectRef>
+            <a:fontRef idx="minor">
+              <a:schemeClr val="dk1"/>
+            </a:fontRef>
+          </p:style>
+          <p:txBody>
+            <a:bodyPr rtlCol="0" anchor="ctr"/>
+            <a:lstStyle/>
+            <a:p>
+              <a:pPr algn="ctr"/>
+              <a:r>
+                <a:rPr lang="en-US" dirty="0" err="1"/>
+                <a:t>inv-fn</a:t>
+              </a:r>
+              <a:endParaRPr lang="en-US" dirty="0"/>
+            </a:p>
+          </p:txBody>
+        </p:sp>
+        <p:sp>
+          <p:nvSpPr>
+            <p:cNvPr id="34" name="Arc 33"/>
+            <p:cNvSpPr/>
+            <p:nvPr/>
+          </p:nvSpPr>
+          <p:spPr>
+            <a:xfrm rot="8189719">
+              <a:off x="2527952" y="1792745"/>
+              <a:ext cx="1954498" cy="1878750"/>
+            </a:xfrm>
+            <a:prstGeom prst="arc">
+              <a:avLst>
+                <a:gd name="adj1" fmla="val 4110541"/>
+                <a:gd name="adj2" fmla="val 1237007"/>
+              </a:avLst>
+            </a:prstGeom>
+            <a:ln w="25400">
+              <a:solidFill>
+                <a:schemeClr val="tx1"/>
+              </a:solidFill>
+              <a:headEnd type="triangle" w="lg" len="lg"/>
+              <a:tailEnd type="none" w="lg" len="lg"/>
+            </a:ln>
+          </p:spPr>
+          <p:style>
+            <a:lnRef idx="1">
+              <a:schemeClr val="accent1"/>
+            </a:lnRef>
+            <a:fillRef idx="0">
+              <a:schemeClr val="accent1"/>
+            </a:fillRef>
+            <a:effectRef idx="0">
+              <a:schemeClr val="accent1"/>
+            </a:effectRef>
+            <a:fontRef idx="minor">
+              <a:schemeClr val="tx1"/>
+            </a:fontRef>
+          </p:style>
+          <p:txBody>
+            <a:bodyPr rtlCol="0" anchor="ctr"/>
+            <a:lstStyle/>
+            <a:p>
+              <a:pPr algn="ctr"/>
+              <a:endParaRPr lang="en-US"/>
+            </a:p>
+          </p:txBody>
+        </p:sp>
+        <p:sp>
+          <p:nvSpPr>
+            <p:cNvPr id="35" name="Rectangle 34"/>
+            <p:cNvSpPr/>
+            <p:nvPr/>
+          </p:nvSpPr>
+          <p:spPr>
+            <a:xfrm>
+              <a:off x="1007107" y="3661715"/>
+              <a:ext cx="1231267" cy="762000"/>
+            </a:xfrm>
+            <a:prstGeom prst="rect">
+              <a:avLst/>
+            </a:prstGeom>
+          </p:spPr>
+          <p:style>
+            <a:lnRef idx="2">
+              <a:schemeClr val="dk1"/>
+            </a:lnRef>
+            <a:fillRef idx="1">
+              <a:schemeClr val="lt1"/>
+            </a:fillRef>
+            <a:effectRef idx="0">
+              <a:schemeClr val="dk1"/>
+            </a:effectRef>
+            <a:fontRef idx="minor">
+              <a:schemeClr val="dk1"/>
+            </a:fontRef>
+          </p:style>
+          <p:txBody>
+            <a:bodyPr rtlCol="0" anchor="ctr"/>
+            <a:lstStyle/>
+            <a:p>
+              <a:pPr algn="ctr"/>
+              <a:r>
+                <a:rPr lang="en-US" dirty="0"/>
+                <a:t>book-status-</a:t>
+              </a:r>
+              <a:r>
+                <a:rPr lang="en-US" dirty="0" err="1"/>
+                <a:t>fn</a:t>
+              </a:r>
+              <a:endParaRPr lang="en-US" dirty="0"/>
+            </a:p>
+          </p:txBody>
+        </p:sp>
+        <p:cxnSp>
+          <p:nvCxnSpPr>
+            <p:cNvPr id="36" name="Straight Arrow Connector 35"/>
+            <p:cNvCxnSpPr>
+              <a:stCxn id="35" idx="0"/>
+            </p:cNvCxnSpPr>
+            <p:nvPr/>
+          </p:nvCxnSpPr>
+          <p:spPr>
+            <a:xfrm flipV="1">
+              <a:off x="1622741" y="3114120"/>
+              <a:ext cx="444184" cy="547595"/>
+            </a:xfrm>
+            <a:prstGeom prst="straightConnector1">
+              <a:avLst/>
+            </a:prstGeom>
+            <a:ln w="25400">
+              <a:solidFill>
+                <a:schemeClr val="tx1"/>
+              </a:solidFill>
+              <a:headEnd type="triangle" w="lg" len="lg"/>
+              <a:tailEnd type="none" w="lg" len="lg"/>
+            </a:ln>
+          </p:spPr>
+          <p:style>
+            <a:lnRef idx="1">
+              <a:schemeClr val="accent1"/>
+            </a:lnRef>
+            <a:fillRef idx="0">
+              <a:schemeClr val="accent1"/>
+            </a:fillRef>
+            <a:effectRef idx="0">
+              <a:schemeClr val="accent1"/>
+            </a:effectRef>
+            <a:fontRef idx="minor">
+              <a:schemeClr val="tx1"/>
+            </a:fontRef>
+          </p:style>
+        </p:cxnSp>
+      </p:grpSp>
     </p:spTree>
     <p:extLst>
       <p:ext uri="{BB962C8B-B14F-4D97-AF65-F5344CB8AC3E}">
-        <p14:creationId xmlns:p14="http://schemas.microsoft.com/office/powerpoint/2010/main" val="4081814883"/>
+        <p14:creationId xmlns:p14="http://schemas.microsoft.com/office/powerpoint/2010/main" val="3493423876"/>
       </p:ext>
     </p:extLst>
   </p:cSld>
@@ -5738,7 +6208,7 @@
       </p:grpSpPr>
       <p:sp>
         <p:nvSpPr>
-          <p:cNvPr id="5" name="Title 4"/>
+          <p:cNvPr id="2" name="Title 1"/>
           <p:cNvSpPr>
             <a:spLocks noGrp="1"/>
           </p:cNvSpPr>
@@ -5746,58 +6216,22 @@
             <p:ph type="title"/>
           </p:nvPr>
         </p:nvSpPr>
-        <p:spPr/>
-        <p:txBody>
-          <a:bodyPr>
+        <p:spPr>
+          <a:ln w="25400">
+            <a:solidFill>
+              <a:schemeClr val="accent1"/>
+            </a:solidFill>
+          </a:ln>
+        </p:spPr>
+        <p:txBody>
+          <a:bodyPr vert="horz" lIns="91440" tIns="45720" rIns="91440" bIns="45720" rtlCol="0" anchor="ctr">
             <a:normAutofit fontScale="90000"/>
           </a:bodyPr>
           <a:lstStyle/>
           <a:p>
             <a:r>
               <a:rPr lang="en-US" dirty="0"/>
-              <a:t>An Inventory– but </a:t>
-            </a:r>
-            <a:r>
-              <a:rPr lang="en-US" i="1" dirty="0"/>
-              <a:t>which</a:t>
-            </a:r>
-            <a:r>
-              <a:rPr lang="en-US" dirty="0"/>
-              <a:t> inventory?</a:t>
-            </a:r>
-          </a:p>
-        </p:txBody>
-      </p:sp>
-      <p:sp>
-        <p:nvSpPr>
-          <p:cNvPr id="6" name="Content Placeholder 5"/>
-          <p:cNvSpPr>
-            <a:spLocks noGrp="1"/>
-          </p:cNvSpPr>
-          <p:nvPr>
-            <p:ph idx="1"/>
-          </p:nvPr>
-        </p:nvSpPr>
-        <p:spPr/>
-        <p:txBody>
-          <a:bodyPr/>
-          <a:lstStyle/>
-          <a:p>
-            <a:r>
-              <a:rPr lang="en-US" dirty="0"/>
-              <a:t>So far we've decided how to represent an inventory.</a:t>
-            </a:r>
-          </a:p>
-          <a:p>
-            <a:r>
-              <a:rPr lang="en-US" dirty="0"/>
-              <a:t>But what store is it the inventory of?</a:t>
-            </a:r>
-          </a:p>
-          <a:p>
-            <a:r>
-              <a:rPr lang="en-US" dirty="0"/>
-              <a:t>And what date does it represent?</a:t>
+              <a:t>Remember: The Shape of the Program Follows the Shape of the Data</a:t>
             </a:r>
           </a:p>
         </p:txBody>
@@ -5817,18 +6251,439 @@
           <a:bodyPr/>
           <a:lstStyle/>
           <a:p>
-            <a:fld id="{2AF3B5EA-18B6-4040-9F78-6052AF49C681}" type="slidenum">
+            <a:fld id="{8D704B19-8EED-495A-99FA-12E5518CCC54}" type="slidenum">
               <a:rPr lang="en-US" smtClean="0"/>
+              <a:pPr/>
               <a:t>14</a:t>
             </a:fld>
             <a:endParaRPr lang="en-US"/>
           </a:p>
         </p:txBody>
       </p:sp>
+      <p:sp>
+        <p:nvSpPr>
+          <p:cNvPr id="27" name="TextBox 26"/>
+          <p:cNvSpPr txBox="1"/>
+          <p:nvPr/>
+        </p:nvSpPr>
+        <p:spPr>
+          <a:xfrm>
+            <a:off x="1295400" y="4648200"/>
+            <a:ext cx="2209800" cy="1200329"/>
+          </a:xfrm>
+          <a:prstGeom prst="rect">
+            <a:avLst/>
+          </a:prstGeom>
+          <a:solidFill>
+            <a:schemeClr val="accent1">
+              <a:lumMod val="20000"/>
+              <a:lumOff val="80000"/>
+            </a:schemeClr>
+          </a:solidFill>
+        </p:spPr>
+        <p:txBody>
+          <a:bodyPr wrap="square" rtlCol="0">
+            <a:spAutoFit/>
+          </a:bodyPr>
+          <a:lstStyle/>
+          <a:p>
+            <a:r>
+              <a:rPr lang="en-US" dirty="0"/>
+              <a:t>Data Hierarchy (a non-empty </a:t>
+            </a:r>
+            <a:r>
+              <a:rPr lang="en-US" dirty="0" err="1"/>
+              <a:t>Xlist</a:t>
+            </a:r>
+            <a:r>
+              <a:rPr lang="en-US" dirty="0"/>
+              <a:t> contains another </a:t>
+            </a:r>
+            <a:r>
+              <a:rPr lang="en-US" dirty="0" err="1"/>
+              <a:t>Xlist</a:t>
+            </a:r>
+            <a:r>
+              <a:rPr lang="en-US" dirty="0"/>
+              <a:t>)</a:t>
+            </a:r>
+          </a:p>
+        </p:txBody>
+      </p:sp>
+      <p:sp>
+        <p:nvSpPr>
+          <p:cNvPr id="28" name="TextBox 27"/>
+          <p:cNvSpPr txBox="1"/>
+          <p:nvPr/>
+        </p:nvSpPr>
+        <p:spPr>
+          <a:xfrm flipH="1">
+            <a:off x="5682515" y="4660404"/>
+            <a:ext cx="2057400" cy="923330"/>
+          </a:xfrm>
+          <a:prstGeom prst="rect">
+            <a:avLst/>
+          </a:prstGeom>
+          <a:solidFill>
+            <a:schemeClr val="accent1">
+              <a:lumMod val="20000"/>
+              <a:lumOff val="80000"/>
+            </a:schemeClr>
+          </a:solidFill>
+        </p:spPr>
+        <p:txBody>
+          <a:bodyPr wrap="square" rtlCol="0">
+            <a:spAutoFit/>
+          </a:bodyPr>
+          <a:lstStyle/>
+          <a:p>
+            <a:r>
+              <a:rPr lang="en-US" dirty="0"/>
+              <a:t>Call Tree (</a:t>
+            </a:r>
+            <a:r>
+              <a:rPr lang="en-US" b="1" dirty="0" err="1"/>
+              <a:t>xlist-fn</a:t>
+            </a:r>
+            <a:r>
+              <a:rPr lang="en-US" dirty="0"/>
+              <a:t> calls itself on the component)</a:t>
+            </a:r>
+          </a:p>
+        </p:txBody>
+      </p:sp>
+      <p:grpSp>
+        <p:nvGrpSpPr>
+          <p:cNvPr id="5" name="Group 4"/>
+          <p:cNvGrpSpPr/>
+          <p:nvPr/>
+        </p:nvGrpSpPr>
+        <p:grpSpPr>
+          <a:xfrm>
+            <a:off x="6139715" y="2341504"/>
+            <a:ext cx="1143000" cy="2006897"/>
+            <a:chOff x="6139715" y="2341504"/>
+            <a:chExt cx="1143000" cy="2006897"/>
+          </a:xfrm>
+        </p:grpSpPr>
+        <p:sp>
+          <p:nvSpPr>
+            <p:cNvPr id="13" name="Rectangle 12"/>
+            <p:cNvSpPr/>
+            <p:nvPr/>
+          </p:nvSpPr>
+          <p:spPr>
+            <a:xfrm>
+              <a:off x="6139715" y="2341504"/>
+              <a:ext cx="1143000" cy="762000"/>
+            </a:xfrm>
+            <a:prstGeom prst="rect">
+              <a:avLst/>
+            </a:prstGeom>
+          </p:spPr>
+          <p:style>
+            <a:lnRef idx="2">
+              <a:schemeClr val="dk1"/>
+            </a:lnRef>
+            <a:fillRef idx="1">
+              <a:schemeClr val="lt1"/>
+            </a:fillRef>
+            <a:effectRef idx="0">
+              <a:schemeClr val="dk1"/>
+            </a:effectRef>
+            <a:fontRef idx="minor">
+              <a:schemeClr val="dk1"/>
+            </a:fontRef>
+          </p:style>
+          <p:txBody>
+            <a:bodyPr rtlCol="0" anchor="ctr"/>
+            <a:lstStyle/>
+            <a:p>
+              <a:pPr algn="ctr"/>
+              <a:r>
+                <a:rPr lang="en-US" dirty="0" err="1"/>
+                <a:t>xlist-fn</a:t>
+              </a:r>
+              <a:endParaRPr lang="en-US" dirty="0"/>
+            </a:p>
+          </p:txBody>
+        </p:sp>
+        <p:sp>
+          <p:nvSpPr>
+            <p:cNvPr id="18" name="Rectangle 17"/>
+            <p:cNvSpPr/>
+            <p:nvPr/>
+          </p:nvSpPr>
+          <p:spPr>
+            <a:xfrm>
+              <a:off x="6139715" y="3586401"/>
+              <a:ext cx="1143000" cy="762000"/>
+            </a:xfrm>
+            <a:prstGeom prst="rect">
+              <a:avLst/>
+            </a:prstGeom>
+          </p:spPr>
+          <p:style>
+            <a:lnRef idx="2">
+              <a:schemeClr val="dk1"/>
+            </a:lnRef>
+            <a:fillRef idx="1">
+              <a:schemeClr val="lt1"/>
+            </a:fillRef>
+            <a:effectRef idx="0">
+              <a:schemeClr val="dk1"/>
+            </a:effectRef>
+            <a:fontRef idx="minor">
+              <a:schemeClr val="dk1"/>
+            </a:fontRef>
+          </p:style>
+          <p:txBody>
+            <a:bodyPr rtlCol="0" anchor="ctr"/>
+            <a:lstStyle/>
+            <a:p>
+              <a:pPr algn="ctr"/>
+              <a:r>
+                <a:rPr lang="en-US" dirty="0" err="1"/>
+                <a:t>xlist-fn</a:t>
+              </a:r>
+              <a:endParaRPr lang="en-US" dirty="0"/>
+            </a:p>
+          </p:txBody>
+        </p:sp>
+        <p:cxnSp>
+          <p:nvCxnSpPr>
+            <p:cNvPr id="20" name="Straight Arrow Connector 19"/>
+            <p:cNvCxnSpPr/>
+            <p:nvPr/>
+          </p:nvCxnSpPr>
+          <p:spPr>
+            <a:xfrm>
+              <a:off x="6730265" y="3114120"/>
+              <a:ext cx="0" cy="472281"/>
+            </a:xfrm>
+            <a:prstGeom prst="straightConnector1">
+              <a:avLst/>
+            </a:prstGeom>
+            <a:ln w="19050">
+              <a:solidFill>
+                <a:schemeClr val="tx1"/>
+              </a:solidFill>
+              <a:tailEnd type="triangle"/>
+            </a:ln>
+          </p:spPr>
+          <p:style>
+            <a:lnRef idx="1">
+              <a:schemeClr val="accent1"/>
+            </a:lnRef>
+            <a:fillRef idx="0">
+              <a:schemeClr val="accent1"/>
+            </a:fillRef>
+            <a:effectRef idx="0">
+              <a:schemeClr val="accent1"/>
+            </a:effectRef>
+            <a:fontRef idx="minor">
+              <a:schemeClr val="tx1"/>
+            </a:fontRef>
+          </p:style>
+        </p:cxnSp>
+      </p:grpSp>
+      <p:grpSp>
+        <p:nvGrpSpPr>
+          <p:cNvPr id="22" name="Group 21"/>
+          <p:cNvGrpSpPr/>
+          <p:nvPr/>
+        </p:nvGrpSpPr>
+        <p:grpSpPr>
+          <a:xfrm>
+            <a:off x="1731008" y="2336194"/>
+            <a:ext cx="1143000" cy="2006897"/>
+            <a:chOff x="6139715" y="2341504"/>
+            <a:chExt cx="1143000" cy="2006897"/>
+          </a:xfrm>
+        </p:grpSpPr>
+        <p:sp>
+          <p:nvSpPr>
+            <p:cNvPr id="25" name="Rectangle 24"/>
+            <p:cNvSpPr/>
+            <p:nvPr/>
+          </p:nvSpPr>
+          <p:spPr>
+            <a:xfrm>
+              <a:off x="6139715" y="2341504"/>
+              <a:ext cx="1143000" cy="762000"/>
+            </a:xfrm>
+            <a:prstGeom prst="rect">
+              <a:avLst/>
+            </a:prstGeom>
+          </p:spPr>
+          <p:style>
+            <a:lnRef idx="2">
+              <a:schemeClr val="dk1"/>
+            </a:lnRef>
+            <a:fillRef idx="1">
+              <a:schemeClr val="lt1"/>
+            </a:fillRef>
+            <a:effectRef idx="0">
+              <a:schemeClr val="dk1"/>
+            </a:effectRef>
+            <a:fontRef idx="minor">
+              <a:schemeClr val="dk1"/>
+            </a:fontRef>
+          </p:style>
+          <p:txBody>
+            <a:bodyPr rtlCol="0" anchor="ctr"/>
+            <a:lstStyle/>
+            <a:p>
+              <a:pPr algn="ctr"/>
+              <a:r>
+                <a:rPr lang="en-US" dirty="0" err="1"/>
+                <a:t>Xlist</a:t>
+              </a:r>
+              <a:endParaRPr lang="en-US" dirty="0"/>
+            </a:p>
+          </p:txBody>
+        </p:sp>
+        <p:sp>
+          <p:nvSpPr>
+            <p:cNvPr id="26" name="Rectangle 25"/>
+            <p:cNvSpPr/>
+            <p:nvPr/>
+          </p:nvSpPr>
+          <p:spPr>
+            <a:xfrm>
+              <a:off x="6139715" y="3586401"/>
+              <a:ext cx="1143000" cy="762000"/>
+            </a:xfrm>
+            <a:prstGeom prst="rect">
+              <a:avLst/>
+            </a:prstGeom>
+          </p:spPr>
+          <p:style>
+            <a:lnRef idx="2">
+              <a:schemeClr val="dk1"/>
+            </a:lnRef>
+            <a:fillRef idx="1">
+              <a:schemeClr val="lt1"/>
+            </a:fillRef>
+            <a:effectRef idx="0">
+              <a:schemeClr val="dk1"/>
+            </a:effectRef>
+            <a:fontRef idx="minor">
+              <a:schemeClr val="dk1"/>
+            </a:fontRef>
+          </p:style>
+          <p:txBody>
+            <a:bodyPr rtlCol="0" anchor="ctr"/>
+            <a:lstStyle/>
+            <a:p>
+              <a:pPr algn="ctr"/>
+              <a:r>
+                <a:rPr lang="en-US" dirty="0" err="1"/>
+                <a:t>Xlist</a:t>
+              </a:r>
+              <a:endParaRPr lang="en-US" dirty="0"/>
+            </a:p>
+          </p:txBody>
+        </p:sp>
+        <p:cxnSp>
+          <p:nvCxnSpPr>
+            <p:cNvPr id="30" name="Straight Arrow Connector 29"/>
+            <p:cNvCxnSpPr/>
+            <p:nvPr/>
+          </p:nvCxnSpPr>
+          <p:spPr>
+            <a:xfrm flipV="1">
+              <a:off x="6711215" y="3119430"/>
+              <a:ext cx="0" cy="472281"/>
+            </a:xfrm>
+            <a:prstGeom prst="straightConnector1">
+              <a:avLst/>
+            </a:prstGeom>
+            <a:ln w="19050">
+              <a:solidFill>
+                <a:schemeClr val="tx1"/>
+              </a:solidFill>
+              <a:tailEnd type="triangle"/>
+            </a:ln>
+          </p:spPr>
+          <p:style>
+            <a:lnRef idx="1">
+              <a:schemeClr val="accent1"/>
+            </a:lnRef>
+            <a:fillRef idx="0">
+              <a:schemeClr val="accent1"/>
+            </a:fillRef>
+            <a:effectRef idx="0">
+              <a:schemeClr val="accent1"/>
+            </a:effectRef>
+            <a:fontRef idx="minor">
+              <a:schemeClr val="tx1"/>
+            </a:fontRef>
+          </p:style>
+        </p:cxnSp>
+      </p:grpSp>
+      <p:sp>
+        <p:nvSpPr>
+          <p:cNvPr id="3" name="TextBox 2"/>
+          <p:cNvSpPr txBox="1"/>
+          <p:nvPr/>
+        </p:nvSpPr>
+        <p:spPr>
+          <a:xfrm>
+            <a:off x="2361194" y="3195833"/>
+            <a:ext cx="1847850" cy="369332"/>
+          </a:xfrm>
+          <a:prstGeom prst="rect">
+            <a:avLst/>
+          </a:prstGeom>
+          <a:noFill/>
+        </p:spPr>
+        <p:txBody>
+          <a:bodyPr wrap="square" rtlCol="0">
+            <a:spAutoFit/>
+          </a:bodyPr>
+          <a:lstStyle/>
+          <a:p>
+            <a:r>
+              <a:rPr lang="en-US" dirty="0"/>
+              <a:t>is-component-of</a:t>
+            </a:r>
+          </a:p>
+        </p:txBody>
+      </p:sp>
+      <p:sp>
+        <p:nvSpPr>
+          <p:cNvPr id="17" name="TextBox 16"/>
+          <p:cNvSpPr txBox="1"/>
+          <p:nvPr/>
+        </p:nvSpPr>
+        <p:spPr>
+          <a:xfrm>
+            <a:off x="6696075" y="3160286"/>
+            <a:ext cx="586640" cy="369332"/>
+          </a:xfrm>
+          <a:prstGeom prst="rect">
+            <a:avLst/>
+          </a:prstGeom>
+          <a:noFill/>
+        </p:spPr>
+        <p:txBody>
+          <a:bodyPr wrap="square" rtlCol="0">
+            <a:spAutoFit/>
+          </a:bodyPr>
+          <a:lstStyle/>
+          <a:p>
+            <a:r>
+              <a:rPr lang="en-US" dirty="0"/>
+              <a:t>calls</a:t>
+            </a:r>
+          </a:p>
+        </p:txBody>
+      </p:sp>
     </p:spTree>
     <p:extLst>
       <p:ext uri="{BB962C8B-B14F-4D97-AF65-F5344CB8AC3E}">
-        <p14:creationId xmlns:p14="http://schemas.microsoft.com/office/powerpoint/2010/main" val="1770716790"/>
+        <p14:creationId xmlns:p14="http://schemas.microsoft.com/office/powerpoint/2010/main" val="3772012202"/>
       </p:ext>
     </p:extLst>
   </p:cSld>
@@ -5868,6 +6723,359 @@
         <p:spPr/>
         <p:txBody>
           <a:bodyPr>
+            <a:normAutofit fontScale="90000"/>
+          </a:bodyPr>
+          <a:lstStyle/>
+          <a:p>
+            <a:r>
+              <a:rPr lang="en-US" dirty="0"/>
+              <a:t>Example function: </a:t>
+            </a:r>
+            <a:r>
+              <a:rPr lang="en-US" b="1" dirty="0"/>
+              <a:t>inventory-authors</a:t>
+            </a:r>
+          </a:p>
+        </p:txBody>
+      </p:sp>
+      <p:sp>
+        <p:nvSpPr>
+          <p:cNvPr id="3" name="Content Placeholder 2"/>
+          <p:cNvSpPr>
+            <a:spLocks noGrp="1"/>
+          </p:cNvSpPr>
+          <p:nvPr>
+            <p:ph idx="1"/>
+          </p:nvPr>
+        </p:nvSpPr>
+        <p:spPr/>
+        <p:txBody>
+          <a:bodyPr>
+            <a:normAutofit fontScale="47500" lnSpcReduction="20000"/>
+          </a:bodyPr>
+          <a:lstStyle/>
+          <a:p>
+            <a:r>
+              <a:rPr lang="en-US" dirty="0"/>
+              <a:t>;; inventory-authors : Inventory -&gt; </a:t>
+            </a:r>
+            <a:r>
+              <a:rPr lang="en-US" dirty="0" err="1"/>
+              <a:t>AuthorList</a:t>
+            </a:r>
+            <a:endParaRPr lang="en-US" dirty="0"/>
+          </a:p>
+          <a:p>
+            <a:r>
+              <a:rPr lang="en-US" dirty="0"/>
+              <a:t>;; GIVEN: An Inventory</a:t>
+            </a:r>
+          </a:p>
+          <a:p>
+            <a:r>
+              <a:rPr lang="en-US" dirty="0"/>
+              <a:t>;; RETURNS: A list of the all the authors of the books in the</a:t>
+            </a:r>
+          </a:p>
+          <a:p>
+            <a:r>
+              <a:rPr lang="en-US" dirty="0"/>
+              <a:t>;; inventory.  Repetitions are allowed.  Books with no copies in stock</a:t>
+            </a:r>
+          </a:p>
+          <a:p>
+            <a:r>
+              <a:rPr lang="en-US" dirty="0"/>
+              <a:t>;; are included. The authors may appear in any order.</a:t>
+            </a:r>
+          </a:p>
+          <a:p>
+            <a:r>
+              <a:rPr lang="en-US" dirty="0"/>
+              <a:t>;; EXAMPLE: (inventory-authors inv1) </a:t>
+            </a:r>
+          </a:p>
+          <a:p>
+            <a:r>
+              <a:rPr lang="en-US" dirty="0"/>
+              <a:t>            = (list "</a:t>
+            </a:r>
+            <a:r>
+              <a:rPr lang="en-US" dirty="0" err="1"/>
+              <a:t>Felleisen</a:t>
+            </a:r>
+            <a:r>
+              <a:rPr lang="en-US" dirty="0"/>
+              <a:t>" "Wand" "Shakespeare" "Shakespeare")</a:t>
+            </a:r>
+          </a:p>
+          <a:p>
+            <a:r>
+              <a:rPr lang="en-US" dirty="0"/>
+              <a:t>;; STRATEGY: Use observer template for Inventory</a:t>
+            </a:r>
+          </a:p>
+          <a:p>
+            <a:endParaRPr lang="en-US" dirty="0"/>
+          </a:p>
+          <a:p>
+            <a:r>
+              <a:rPr lang="en-US" dirty="0"/>
+              <a:t>(define (inventory-authors </a:t>
+            </a:r>
+            <a:r>
+              <a:rPr lang="en-US" dirty="0" err="1"/>
+              <a:t>inv</a:t>
+            </a:r>
+            <a:r>
+              <a:rPr lang="en-US" dirty="0"/>
+              <a:t>)</a:t>
+            </a:r>
+          </a:p>
+          <a:p>
+            <a:r>
+              <a:rPr lang="en-US" dirty="0"/>
+              <a:t>  (cond</a:t>
+            </a:r>
+          </a:p>
+          <a:p>
+            <a:r>
+              <a:rPr lang="en-US" dirty="0"/>
+              <a:t>    [(empty? </a:t>
+            </a:r>
+            <a:r>
+              <a:rPr lang="en-US" dirty="0" err="1"/>
+              <a:t>inv</a:t>
+            </a:r>
+            <a:r>
+              <a:rPr lang="en-US" dirty="0"/>
+              <a:t>) empty]</a:t>
+            </a:r>
+          </a:p>
+          <a:p>
+            <a:r>
+              <a:rPr lang="en-US" dirty="0"/>
+              <a:t>    [else (cons</a:t>
+            </a:r>
+          </a:p>
+          <a:p>
+            <a:r>
+              <a:rPr lang="en-US" dirty="0"/>
+              <a:t>           (book-status-author (first </a:t>
+            </a:r>
+            <a:r>
+              <a:rPr lang="en-US" dirty="0" err="1"/>
+              <a:t>inv</a:t>
+            </a:r>
+            <a:r>
+              <a:rPr lang="en-US" dirty="0"/>
+              <a:t>))</a:t>
+            </a:r>
+          </a:p>
+          <a:p>
+            <a:r>
+              <a:rPr lang="en-US" dirty="0"/>
+              <a:t>           (inventory-authors  (rest </a:t>
+            </a:r>
+            <a:r>
+              <a:rPr lang="en-US" dirty="0" err="1"/>
+              <a:t>inv</a:t>
+            </a:r>
+            <a:r>
+              <a:rPr lang="en-US" dirty="0"/>
+              <a:t>)))]))</a:t>
+            </a:r>
+          </a:p>
+          <a:p>
+            <a:endParaRPr lang="en-US" dirty="0"/>
+          </a:p>
+        </p:txBody>
+      </p:sp>
+      <p:sp>
+        <p:nvSpPr>
+          <p:cNvPr id="4" name="Slide Number Placeholder 3"/>
+          <p:cNvSpPr>
+            <a:spLocks noGrp="1"/>
+          </p:cNvSpPr>
+          <p:nvPr>
+            <p:ph type="sldNum" sz="quarter" idx="12"/>
+          </p:nvPr>
+        </p:nvSpPr>
+        <p:spPr/>
+        <p:txBody>
+          <a:bodyPr/>
+          <a:lstStyle/>
+          <a:p>
+            <a:fld id="{2AF3B5EA-18B6-4040-9F78-6052AF49C681}" type="slidenum">
+              <a:rPr lang="en-US" smtClean="0"/>
+              <a:t>15</a:t>
+            </a:fld>
+            <a:endParaRPr lang="en-US"/>
+          </a:p>
+        </p:txBody>
+      </p:sp>
+    </p:spTree>
+    <p:extLst>
+      <p:ext uri="{BB962C8B-B14F-4D97-AF65-F5344CB8AC3E}">
+        <p14:creationId xmlns:p14="http://schemas.microsoft.com/office/powerpoint/2010/main" val="4081814883"/>
+      </p:ext>
+    </p:extLst>
+  </p:cSld>
+  <p:clrMapOvr>
+    <a:masterClrMapping/>
+  </p:clrMapOvr>
+</p:sld>
+</file>
+
+<file path=ppt/slides/slide16.xml><?xml version="1.0" encoding="utf-8"?>
+<p:sld xmlns:a="http://schemas.openxmlformats.org/drawingml/2006/main" xmlns:r="http://schemas.openxmlformats.org/officeDocument/2006/relationships" xmlns:p="http://schemas.openxmlformats.org/presentationml/2006/main">
+  <p:cSld>
+    <p:spTree>
+      <p:nvGrpSpPr>
+        <p:cNvPr id="1" name=""/>
+        <p:cNvGrpSpPr/>
+        <p:nvPr/>
+      </p:nvGrpSpPr>
+      <p:grpSpPr>
+        <a:xfrm>
+          <a:off x="0" y="0"/>
+          <a:ext cx="0" cy="0"/>
+          <a:chOff x="0" y="0"/>
+          <a:chExt cx="0" cy="0"/>
+        </a:xfrm>
+      </p:grpSpPr>
+      <p:sp>
+        <p:nvSpPr>
+          <p:cNvPr id="5" name="Title 4"/>
+          <p:cNvSpPr>
+            <a:spLocks noGrp="1"/>
+          </p:cNvSpPr>
+          <p:nvPr>
+            <p:ph type="title"/>
+          </p:nvPr>
+        </p:nvSpPr>
+        <p:spPr/>
+        <p:txBody>
+          <a:bodyPr>
+            <a:normAutofit fontScale="90000"/>
+          </a:bodyPr>
+          <a:lstStyle/>
+          <a:p>
+            <a:r>
+              <a:rPr lang="en-US" dirty="0"/>
+              <a:t>An Inventory– but </a:t>
+            </a:r>
+            <a:r>
+              <a:rPr lang="en-US" i="1" dirty="0"/>
+              <a:t>which</a:t>
+            </a:r>
+            <a:r>
+              <a:rPr lang="en-US" dirty="0"/>
+              <a:t> inventory?</a:t>
+            </a:r>
+          </a:p>
+        </p:txBody>
+      </p:sp>
+      <p:sp>
+        <p:nvSpPr>
+          <p:cNvPr id="6" name="Content Placeholder 5"/>
+          <p:cNvSpPr>
+            <a:spLocks noGrp="1"/>
+          </p:cNvSpPr>
+          <p:nvPr>
+            <p:ph idx="1"/>
+          </p:nvPr>
+        </p:nvSpPr>
+        <p:spPr/>
+        <p:txBody>
+          <a:bodyPr/>
+          <a:lstStyle/>
+          <a:p>
+            <a:r>
+              <a:rPr lang="en-US" dirty="0"/>
+              <a:t>So far we've decided how to represent an inventory.</a:t>
+            </a:r>
+          </a:p>
+          <a:p>
+            <a:r>
+              <a:rPr lang="en-US" dirty="0"/>
+              <a:t>But what store is it the inventory of?</a:t>
+            </a:r>
+          </a:p>
+          <a:p>
+            <a:r>
+              <a:rPr lang="en-US" dirty="0"/>
+              <a:t>And what date does it represent?</a:t>
+            </a:r>
+          </a:p>
+        </p:txBody>
+      </p:sp>
+      <p:sp>
+        <p:nvSpPr>
+          <p:cNvPr id="4" name="Slide Number Placeholder 3"/>
+          <p:cNvSpPr>
+            <a:spLocks noGrp="1"/>
+          </p:cNvSpPr>
+          <p:nvPr>
+            <p:ph type="sldNum" sz="quarter" idx="12"/>
+          </p:nvPr>
+        </p:nvSpPr>
+        <p:spPr/>
+        <p:txBody>
+          <a:bodyPr/>
+          <a:lstStyle/>
+          <a:p>
+            <a:fld id="{2AF3B5EA-18B6-4040-9F78-6052AF49C681}" type="slidenum">
+              <a:rPr lang="en-US" smtClean="0"/>
+              <a:t>16</a:t>
+            </a:fld>
+            <a:endParaRPr lang="en-US"/>
+          </a:p>
+        </p:txBody>
+      </p:sp>
+    </p:spTree>
+    <p:extLst>
+      <p:ext uri="{BB962C8B-B14F-4D97-AF65-F5344CB8AC3E}">
+        <p14:creationId xmlns:p14="http://schemas.microsoft.com/office/powerpoint/2010/main" val="1770716790"/>
+      </p:ext>
+    </p:extLst>
+  </p:cSld>
+  <p:clrMapOvr>
+    <a:masterClrMapping/>
+  </p:clrMapOvr>
+</p:sld>
+</file>
+
+<file path=ppt/slides/slide17.xml><?xml version="1.0" encoding="utf-8"?>
+<p:sld xmlns:a="http://schemas.openxmlformats.org/drawingml/2006/main" xmlns:r="http://schemas.openxmlformats.org/officeDocument/2006/relationships" xmlns:p="http://schemas.openxmlformats.org/presentationml/2006/main">
+  <p:cSld>
+    <p:spTree>
+      <p:nvGrpSpPr>
+        <p:cNvPr id="1" name=""/>
+        <p:cNvGrpSpPr/>
+        <p:nvPr/>
+      </p:nvGrpSpPr>
+      <p:grpSpPr>
+        <a:xfrm>
+          <a:off x="0" y="0"/>
+          <a:ext cx="0" cy="0"/>
+          <a:chOff x="0" y="0"/>
+          <a:chExt cx="0" cy="0"/>
+        </a:xfrm>
+      </p:grpSpPr>
+      <p:sp>
+        <p:nvSpPr>
+          <p:cNvPr id="2" name="Title 1"/>
+          <p:cNvSpPr>
+            <a:spLocks noGrp="1"/>
+          </p:cNvSpPr>
+          <p:nvPr>
+            <p:ph type="title"/>
+          </p:nvPr>
+        </p:nvSpPr>
+        <p:spPr/>
+        <p:txBody>
+          <a:bodyPr>
             <a:normAutofit/>
           </a:bodyPr>
           <a:lstStyle/>
@@ -6076,7 +7284,7 @@
           <a:p>
             <a:fld id="{2AF3B5EA-18B6-4040-9F78-6052AF49C681}" type="slidenum">
               <a:rPr lang="en-US" smtClean="0"/>
-              <a:t>15</a:t>
+              <a:t>17</a:t>
             </a:fld>
             <a:endParaRPr lang="en-US"/>
           </a:p>
@@ -6154,278 +7362,6 @@
 </p:sld>
 </file>
 
-<file path=ppt/slides/slide16.xml><?xml version="1.0" encoding="utf-8"?>
-<p:sld xmlns:a="http://schemas.openxmlformats.org/drawingml/2006/main" xmlns:r="http://schemas.openxmlformats.org/officeDocument/2006/relationships" xmlns:p="http://schemas.openxmlformats.org/presentationml/2006/main">
-  <p:cSld>
-    <p:spTree>
-      <p:nvGrpSpPr>
-        <p:cNvPr id="1" name=""/>
-        <p:cNvGrpSpPr/>
-        <p:nvPr/>
-      </p:nvGrpSpPr>
-      <p:grpSpPr>
-        <a:xfrm>
-          <a:off x="0" y="0"/>
-          <a:ext cx="0" cy="0"/>
-          <a:chOff x="0" y="0"/>
-          <a:chExt cx="0" cy="0"/>
-        </a:xfrm>
-      </p:grpSpPr>
-      <p:sp>
-        <p:nvSpPr>
-          <p:cNvPr id="2" name="Title 1"/>
-          <p:cNvSpPr>
-            <a:spLocks noGrp="1"/>
-          </p:cNvSpPr>
-          <p:nvPr>
-            <p:ph type="title"/>
-          </p:nvPr>
-        </p:nvSpPr>
-        <p:spPr/>
-        <p:txBody>
-          <a:bodyPr>
-            <a:normAutofit fontScale="90000"/>
-          </a:bodyPr>
-          <a:lstStyle/>
-          <a:p>
-            <a:r>
-              <a:rPr lang="en-US" dirty="0"/>
-              <a:t>Module Summary: Self-Referential or Recursive Information</a:t>
-            </a:r>
-          </a:p>
-        </p:txBody>
-      </p:sp>
-      <p:sp>
-        <p:nvSpPr>
-          <p:cNvPr id="3" name="Content Placeholder 2"/>
-          <p:cNvSpPr>
-            <a:spLocks noGrp="1"/>
-          </p:cNvSpPr>
-          <p:nvPr>
-            <p:ph idx="1"/>
-          </p:nvPr>
-        </p:nvSpPr>
-        <p:spPr/>
-        <p:txBody>
-          <a:bodyPr>
-            <a:normAutofit lnSpcReduction="10000"/>
-          </a:bodyPr>
-          <a:lstStyle/>
-          <a:p>
-            <a:r>
-              <a:rPr lang="en-US" dirty="0"/>
-              <a:t>Represent arbitrary-sized information using a </a:t>
-            </a:r>
-            <a:r>
-              <a:rPr lang="en-US" i="1" dirty="0">
-                <a:solidFill>
-                  <a:srgbClr val="FF0000"/>
-                </a:solidFill>
-              </a:rPr>
-              <a:t>self-referential</a:t>
-            </a:r>
-            <a:r>
-              <a:rPr lang="en-US" dirty="0"/>
-              <a:t> (or </a:t>
-            </a:r>
-            <a:r>
-              <a:rPr lang="en-US" i="1" dirty="0">
-                <a:solidFill>
-                  <a:srgbClr val="FF0000"/>
-                </a:solidFill>
-              </a:rPr>
-              <a:t>recursive</a:t>
-            </a:r>
-            <a:r>
-              <a:rPr lang="en-US" dirty="0"/>
-              <a:t>) data definition.</a:t>
-            </a:r>
-          </a:p>
-          <a:p>
-            <a:r>
-              <a:rPr lang="en-US" dirty="0"/>
-              <a:t>Self-reference in the data definition leads to self-reference in the observer template.</a:t>
-            </a:r>
-          </a:p>
-          <a:p>
-            <a:r>
-              <a:rPr lang="en-US" dirty="0"/>
-              <a:t>Self-reference in the observer template leads to self-reference in the code.</a:t>
-            </a:r>
-          </a:p>
-          <a:p>
-            <a:r>
-              <a:rPr lang="en-US" dirty="0"/>
-              <a:t>Writing functions on this kind of data is easy: just Follow The Recipe!</a:t>
-            </a:r>
-          </a:p>
-          <a:p>
-            <a:r>
-              <a:rPr lang="en-US" dirty="0"/>
-              <a:t>But get the template right!</a:t>
-            </a:r>
-          </a:p>
-          <a:p>
-            <a:pPr lvl="1"/>
-            <a:endParaRPr lang="en-US" dirty="0"/>
-          </a:p>
-        </p:txBody>
-      </p:sp>
-      <p:sp>
-        <p:nvSpPr>
-          <p:cNvPr id="4" name="Slide Number Placeholder 3"/>
-          <p:cNvSpPr>
-            <a:spLocks noGrp="1"/>
-          </p:cNvSpPr>
-          <p:nvPr>
-            <p:ph type="sldNum" sz="quarter" idx="12"/>
-          </p:nvPr>
-        </p:nvSpPr>
-        <p:spPr/>
-        <p:txBody>
-          <a:bodyPr/>
-          <a:lstStyle/>
-          <a:p>
-            <a:fld id="{9F4492BD-6A9C-48FC-AC76-0B4FE11194A1}" type="slidenum">
-              <a:rPr lang="en-US" smtClean="0"/>
-              <a:pPr/>
-              <a:t>16</a:t>
-            </a:fld>
-            <a:endParaRPr lang="en-US"/>
-          </a:p>
-        </p:txBody>
-      </p:sp>
-    </p:spTree>
-    <p:extLst>
-      <p:ext uri="{BB962C8B-B14F-4D97-AF65-F5344CB8AC3E}">
-        <p14:creationId xmlns:p14="http://schemas.microsoft.com/office/powerpoint/2010/main" val="1479766722"/>
-      </p:ext>
-    </p:extLst>
-  </p:cSld>
-  <p:clrMapOvr>
-    <a:masterClrMapping/>
-  </p:clrMapOvr>
-</p:sld>
-</file>
-
-<file path=ppt/slides/slide17.xml><?xml version="1.0" encoding="utf-8"?>
-<p:sld xmlns:a="http://schemas.openxmlformats.org/drawingml/2006/main" xmlns:r="http://schemas.openxmlformats.org/officeDocument/2006/relationships" xmlns:p="http://schemas.openxmlformats.org/presentationml/2006/main">
-  <p:cSld>
-    <p:spTree>
-      <p:nvGrpSpPr>
-        <p:cNvPr id="1" name=""/>
-        <p:cNvGrpSpPr/>
-        <p:nvPr/>
-      </p:nvGrpSpPr>
-      <p:grpSpPr>
-        <a:xfrm>
-          <a:off x="0" y="0"/>
-          <a:ext cx="0" cy="0"/>
-          <a:chOff x="0" y="0"/>
-          <a:chExt cx="0" cy="0"/>
-        </a:xfrm>
-      </p:grpSpPr>
-      <p:sp>
-        <p:nvSpPr>
-          <p:cNvPr id="2" name="Title 1"/>
-          <p:cNvSpPr>
-            <a:spLocks noGrp="1"/>
-          </p:cNvSpPr>
-          <p:nvPr>
-            <p:ph type="title"/>
-          </p:nvPr>
-        </p:nvSpPr>
-        <p:spPr/>
-        <p:txBody>
-          <a:bodyPr/>
-          <a:lstStyle/>
-          <a:p>
-            <a:r>
-              <a:rPr lang="en-US" dirty="0"/>
-              <a:t>Summary</a:t>
-            </a:r>
-          </a:p>
-        </p:txBody>
-      </p:sp>
-      <p:sp>
-        <p:nvSpPr>
-          <p:cNvPr id="3" name="Content Placeholder 2"/>
-          <p:cNvSpPr>
-            <a:spLocks noGrp="1"/>
-          </p:cNvSpPr>
-          <p:nvPr>
-            <p:ph idx="1"/>
-          </p:nvPr>
-        </p:nvSpPr>
-        <p:spPr/>
-        <p:txBody>
-          <a:bodyPr/>
-          <a:lstStyle/>
-          <a:p>
-            <a:r>
-              <a:rPr lang="en-US" dirty="0"/>
-              <a:t>At the end of this lesson you should be able to:</a:t>
-            </a:r>
-          </a:p>
-          <a:p>
-            <a:pPr lvl="1"/>
-            <a:r>
-              <a:rPr lang="en-US" dirty="0"/>
-              <a:t>write down a template for lists of compound data</a:t>
-            </a:r>
-          </a:p>
-          <a:p>
-            <a:pPr lvl="1"/>
-            <a:r>
-              <a:rPr lang="en-US" dirty="0"/>
-              <a:t>use the template to write simple functions on lists of compound data</a:t>
-            </a:r>
-          </a:p>
-          <a:p>
-            <a:r>
-              <a:rPr lang="en-US" dirty="0"/>
-              <a:t>The Guided Practices will give you some exercise in doing this.</a:t>
-            </a:r>
-          </a:p>
-        </p:txBody>
-      </p:sp>
-      <p:sp>
-        <p:nvSpPr>
-          <p:cNvPr id="4" name="Slide Number Placeholder 3"/>
-          <p:cNvSpPr>
-            <a:spLocks noGrp="1"/>
-          </p:cNvSpPr>
-          <p:nvPr>
-            <p:ph type="sldNum" sz="quarter" idx="12"/>
-          </p:nvPr>
-        </p:nvSpPr>
-        <p:spPr/>
-        <p:txBody>
-          <a:bodyPr/>
-          <a:lstStyle/>
-          <a:p>
-            <a:fld id="{9F4492BD-6A9C-48FC-AC76-0B4FE11194A1}" type="slidenum">
-              <a:rPr lang="en-US" smtClean="0"/>
-              <a:pPr/>
-              <a:t>17</a:t>
-            </a:fld>
-            <a:endParaRPr lang="en-US"/>
-          </a:p>
-        </p:txBody>
-      </p:sp>
-    </p:spTree>
-    <p:extLst>
-      <p:ext uri="{BB962C8B-B14F-4D97-AF65-F5344CB8AC3E}">
-        <p14:creationId xmlns:p14="http://schemas.microsoft.com/office/powerpoint/2010/main" val="4124763739"/>
-      </p:ext>
-    </p:extLst>
-  </p:cSld>
-  <p:clrMapOvr>
-    <a:masterClrMapping/>
-  </p:clrMapOvr>
-</p:sld>
-</file>
-
 <file path=ppt/slides/slide18.xml><?xml version="1.0" encoding="utf-8"?>
 <p:sld xmlns:a="http://schemas.openxmlformats.org/drawingml/2006/main" xmlns:r="http://schemas.openxmlformats.org/officeDocument/2006/relationships" xmlns:p="http://schemas.openxmlformats.org/presentationml/2006/main">
   <p:cSld>
@@ -6455,12 +7391,14 @@
         </p:nvSpPr>
         <p:spPr/>
         <p:txBody>
-          <a:bodyPr/>
-          <a:lstStyle/>
-          <a:p>
-            <a:r>
-              <a:rPr lang="en-US" dirty="0"/>
-              <a:t>Next Steps</a:t>
+          <a:bodyPr>
+            <a:normAutofit fontScale="90000"/>
+          </a:bodyPr>
+          <a:lstStyle/>
+          <a:p>
+            <a:r>
+              <a:rPr lang="en-US" dirty="0"/>
+              <a:t>Module Summary: Self-Referential or Recursive Information</a:t>
             </a:r>
           </a:p>
         </p:txBody>
@@ -6477,32 +7415,67 @@
         </p:nvSpPr>
         <p:spPr/>
         <p:txBody>
-          <a:bodyPr/>
-          <a:lstStyle/>
-          <a:p>
-            <a:r>
-              <a:rPr lang="en-US" dirty="0"/>
-              <a:t>Study 04-2-books.rkt in the Examples file</a:t>
-            </a:r>
-          </a:p>
-          <a:p>
-            <a:r>
-              <a:rPr lang="en-US" dirty="0"/>
-              <a:t>If you have questions about this lesson, ask them on the Discussion Board</a:t>
-            </a:r>
-          </a:p>
-          <a:p>
-            <a:r>
-              <a:rPr lang="en-US"/>
-              <a:t>Do Guided Practice 4.4</a:t>
-            </a:r>
+          <a:bodyPr>
+            <a:normAutofit lnSpcReduction="10000"/>
+          </a:bodyPr>
+          <a:lstStyle/>
+          <a:p>
+            <a:r>
+              <a:rPr lang="en-US" dirty="0"/>
+              <a:t>Represent arbitrary-sized information using a </a:t>
+            </a:r>
+            <a:r>
+              <a:rPr lang="en-US" i="1" dirty="0">
+                <a:solidFill>
+                  <a:srgbClr val="FF0000"/>
+                </a:solidFill>
+              </a:rPr>
+              <a:t>self-referential</a:t>
+            </a:r>
+            <a:r>
+              <a:rPr lang="en-US" dirty="0"/>
+              <a:t> (or </a:t>
+            </a:r>
+            <a:r>
+              <a:rPr lang="en-US" i="1" dirty="0">
+                <a:solidFill>
+                  <a:srgbClr val="FF0000"/>
+                </a:solidFill>
+              </a:rPr>
+              <a:t>recursive</a:t>
+            </a:r>
+            <a:r>
+              <a:rPr lang="en-US" dirty="0"/>
+              <a:t>) data definition.</a:t>
+            </a:r>
+          </a:p>
+          <a:p>
+            <a:r>
+              <a:rPr lang="en-US" dirty="0"/>
+              <a:t>Self-reference in the data definition leads to self-reference in the observer template.</a:t>
+            </a:r>
+          </a:p>
+          <a:p>
+            <a:r>
+              <a:rPr lang="en-US" dirty="0"/>
+              <a:t>Self-reference in the observer template leads to self-reference in the code.</a:t>
+            </a:r>
+          </a:p>
+          <a:p>
+            <a:r>
+              <a:rPr lang="en-US" dirty="0"/>
+              <a:t>Writing functions on this kind of data is easy: just Follow The Recipe!</a:t>
+            </a:r>
+          </a:p>
+          <a:p>
+            <a:r>
+              <a:rPr lang="en-US" dirty="0"/>
+              <a:t>But get the template right!</a:t>
+            </a:r>
+          </a:p>
+          <a:p>
+            <a:pPr lvl="1"/>
             <a:endParaRPr lang="en-US" dirty="0"/>
-          </a:p>
-          <a:p>
-            <a:r>
-              <a:rPr lang="en-US" dirty="0"/>
-              <a:t>Go on to the next lesson</a:t>
-            </a:r>
           </a:p>
         </p:txBody>
       </p:sp>
@@ -6533,7 +7506,125 @@
     </p:spTree>
     <p:extLst>
       <p:ext uri="{BB962C8B-B14F-4D97-AF65-F5344CB8AC3E}">
-        <p14:creationId xmlns:p14="http://schemas.microsoft.com/office/powerpoint/2010/main" val="3418306170"/>
+        <p14:creationId xmlns:p14="http://schemas.microsoft.com/office/powerpoint/2010/main" val="1479766722"/>
+      </p:ext>
+    </p:extLst>
+  </p:cSld>
+  <p:clrMapOvr>
+    <a:masterClrMapping/>
+  </p:clrMapOvr>
+</p:sld>
+</file>
+
+<file path=ppt/slides/slide19.xml><?xml version="1.0" encoding="utf-8"?>
+<p:sld xmlns:a="http://schemas.openxmlformats.org/drawingml/2006/main" xmlns:r="http://schemas.openxmlformats.org/officeDocument/2006/relationships" xmlns:p="http://schemas.openxmlformats.org/presentationml/2006/main">
+  <p:cSld>
+    <p:spTree>
+      <p:nvGrpSpPr>
+        <p:cNvPr id="1" name=""/>
+        <p:cNvGrpSpPr/>
+        <p:nvPr/>
+      </p:nvGrpSpPr>
+      <p:grpSpPr>
+        <a:xfrm>
+          <a:off x="0" y="0"/>
+          <a:ext cx="0" cy="0"/>
+          <a:chOff x="0" y="0"/>
+          <a:chExt cx="0" cy="0"/>
+        </a:xfrm>
+      </p:grpSpPr>
+      <p:sp>
+        <p:nvSpPr>
+          <p:cNvPr id="2" name="Title 1"/>
+          <p:cNvSpPr>
+            <a:spLocks noGrp="1"/>
+          </p:cNvSpPr>
+          <p:nvPr>
+            <p:ph type="title"/>
+          </p:nvPr>
+        </p:nvSpPr>
+        <p:spPr/>
+        <p:txBody>
+          <a:bodyPr/>
+          <a:lstStyle/>
+          <a:p>
+            <a:r>
+              <a:rPr lang="en-US" dirty="0"/>
+              <a:t>Summary</a:t>
+            </a:r>
+          </a:p>
+        </p:txBody>
+      </p:sp>
+      <p:sp>
+        <p:nvSpPr>
+          <p:cNvPr id="3" name="Content Placeholder 2"/>
+          <p:cNvSpPr>
+            <a:spLocks noGrp="1"/>
+          </p:cNvSpPr>
+          <p:nvPr>
+            <p:ph idx="1"/>
+          </p:nvPr>
+        </p:nvSpPr>
+        <p:spPr/>
+        <p:txBody>
+          <a:bodyPr/>
+          <a:lstStyle/>
+          <a:p>
+            <a:r>
+              <a:rPr lang="en-US" dirty="0"/>
+              <a:t>At the end of this lesson you should be able to:</a:t>
+            </a:r>
+          </a:p>
+          <a:p>
+            <a:pPr lvl="1"/>
+            <a:r>
+              <a:rPr lang="en-US" dirty="0"/>
+              <a:t>write down a template for lists of compound data</a:t>
+            </a:r>
+          </a:p>
+          <a:p>
+            <a:pPr lvl="1"/>
+            <a:r>
+              <a:rPr lang="en-US" dirty="0"/>
+              <a:t>use the template to write simple functions on lists of compound data</a:t>
+            </a:r>
+          </a:p>
+          <a:p>
+            <a:r>
+              <a:rPr lang="en-US" dirty="0"/>
+              <a:t>The Guided Practices will give you some exercise in doing this.</a:t>
+            </a:r>
+          </a:p>
+        </p:txBody>
+      </p:sp>
+      <p:sp>
+        <p:nvSpPr>
+          <p:cNvPr id="4" name="Slide Number Placeholder 3"/>
+          <p:cNvSpPr>
+            <a:spLocks noGrp="1"/>
+          </p:cNvSpPr>
+          <p:nvPr>
+            <p:ph type="sldNum" sz="quarter" idx="12"/>
+          </p:nvPr>
+        </p:nvSpPr>
+        <p:spPr/>
+        <p:txBody>
+          <a:bodyPr/>
+          <a:lstStyle/>
+          <a:p>
+            <a:fld id="{9F4492BD-6A9C-48FC-AC76-0B4FE11194A1}" type="slidenum">
+              <a:rPr lang="en-US" smtClean="0"/>
+              <a:pPr/>
+              <a:t>19</a:t>
+            </a:fld>
+            <a:endParaRPr lang="en-US"/>
+          </a:p>
+        </p:txBody>
+      </p:sp>
+    </p:spTree>
+    <p:extLst>
+      <p:ext uri="{BB962C8B-B14F-4D97-AF65-F5344CB8AC3E}">
+        <p14:creationId xmlns:p14="http://schemas.microsoft.com/office/powerpoint/2010/main" val="4124763739"/>
       </p:ext>
     </p:extLst>
   </p:cSld>
@@ -6654,6 +7745,123 @@
     <p:extLst>
       <p:ext uri="{BB962C8B-B14F-4D97-AF65-F5344CB8AC3E}">
         <p14:creationId xmlns:p14="http://schemas.microsoft.com/office/powerpoint/2010/main" val="594621333"/>
+      </p:ext>
+    </p:extLst>
+  </p:cSld>
+  <p:clrMapOvr>
+    <a:masterClrMapping/>
+  </p:clrMapOvr>
+</p:sld>
+</file>
+
+<file path=ppt/slides/slide20.xml><?xml version="1.0" encoding="utf-8"?>
+<p:sld xmlns:a="http://schemas.openxmlformats.org/drawingml/2006/main" xmlns:r="http://schemas.openxmlformats.org/officeDocument/2006/relationships" xmlns:p="http://schemas.openxmlformats.org/presentationml/2006/main">
+  <p:cSld>
+    <p:spTree>
+      <p:nvGrpSpPr>
+        <p:cNvPr id="1" name=""/>
+        <p:cNvGrpSpPr/>
+        <p:nvPr/>
+      </p:nvGrpSpPr>
+      <p:grpSpPr>
+        <a:xfrm>
+          <a:off x="0" y="0"/>
+          <a:ext cx="0" cy="0"/>
+          <a:chOff x="0" y="0"/>
+          <a:chExt cx="0" cy="0"/>
+        </a:xfrm>
+      </p:grpSpPr>
+      <p:sp>
+        <p:nvSpPr>
+          <p:cNvPr id="2" name="Title 1"/>
+          <p:cNvSpPr>
+            <a:spLocks noGrp="1"/>
+          </p:cNvSpPr>
+          <p:nvPr>
+            <p:ph type="title"/>
+          </p:nvPr>
+        </p:nvSpPr>
+        <p:spPr/>
+        <p:txBody>
+          <a:bodyPr/>
+          <a:lstStyle/>
+          <a:p>
+            <a:r>
+              <a:rPr lang="en-US" dirty="0"/>
+              <a:t>Next Steps</a:t>
+            </a:r>
+          </a:p>
+        </p:txBody>
+      </p:sp>
+      <p:sp>
+        <p:nvSpPr>
+          <p:cNvPr id="3" name="Content Placeholder 2"/>
+          <p:cNvSpPr>
+            <a:spLocks noGrp="1"/>
+          </p:cNvSpPr>
+          <p:nvPr>
+            <p:ph idx="1"/>
+          </p:nvPr>
+        </p:nvSpPr>
+        <p:spPr/>
+        <p:txBody>
+          <a:bodyPr/>
+          <a:lstStyle/>
+          <a:p>
+            <a:r>
+              <a:rPr lang="en-US" dirty="0"/>
+              <a:t>Study 04-2-books.rkt in the Examples file</a:t>
+            </a:r>
+          </a:p>
+          <a:p>
+            <a:r>
+              <a:rPr lang="en-US" dirty="0"/>
+              <a:t>If you have questions about this lesson, ask them on the Discussion Board</a:t>
+            </a:r>
+          </a:p>
+          <a:p>
+            <a:r>
+              <a:rPr lang="en-US"/>
+              <a:t>Do Guided Practice 4.4</a:t>
+            </a:r>
+            <a:endParaRPr lang="en-US" dirty="0"/>
+          </a:p>
+          <a:p>
+            <a:r>
+              <a:rPr lang="en-US" dirty="0"/>
+              <a:t>Go on to the next lesson</a:t>
+            </a:r>
+          </a:p>
+        </p:txBody>
+      </p:sp>
+      <p:sp>
+        <p:nvSpPr>
+          <p:cNvPr id="4" name="Slide Number Placeholder 3"/>
+          <p:cNvSpPr>
+            <a:spLocks noGrp="1"/>
+          </p:cNvSpPr>
+          <p:nvPr>
+            <p:ph type="sldNum" sz="quarter" idx="12"/>
+          </p:nvPr>
+        </p:nvSpPr>
+        <p:spPr/>
+        <p:txBody>
+          <a:bodyPr/>
+          <a:lstStyle/>
+          <a:p>
+            <a:fld id="{9F4492BD-6A9C-48FC-AC76-0B4FE11194A1}" type="slidenum">
+              <a:rPr lang="en-US" smtClean="0"/>
+              <a:pPr/>
+              <a:t>20</a:t>
+            </a:fld>
+            <a:endParaRPr lang="en-US"/>
+          </a:p>
+        </p:txBody>
+      </p:sp>
+    </p:spTree>
+    <p:extLst>
+      <p:ext uri="{BB962C8B-B14F-4D97-AF65-F5344CB8AC3E}">
+        <p14:creationId xmlns:p14="http://schemas.microsoft.com/office/powerpoint/2010/main" val="3418306170"/>
       </p:ext>
     </p:extLst>
   </p:cSld>
@@ -8319,43 +9527,31 @@
   <a:objectDefaults>
     <a:spDef>
       <a:spPr>
-        <a:solidFill>
-          <a:schemeClr val="accent1">
-            <a:lumMod val="20000"/>
-            <a:lumOff val="80000"/>
-          </a:schemeClr>
-        </a:solidFill>
-        <a:ln>
-          <a:noFill/>
+        <a:ln w="25400">
+          <a:solidFill>
+            <a:schemeClr val="tx1"/>
+          </a:solidFill>
+          <a:tailEnd type="triangle" w="lg" len="lg"/>
         </a:ln>
       </a:spPr>
-      <a:bodyPr rot="0" spcFirstLastPara="0" vertOverflow="overflow" horzOverflow="overflow" vert="horz" wrap="square" lIns="91440" tIns="45720" rIns="91440" bIns="45720" numCol="1" spcCol="0" rtlCol="0" fromWordArt="0" anchor="ctr" anchorCtr="0" forceAA="0" compatLnSpc="1">
-        <a:prstTxWarp prst="textNoShape">
-          <a:avLst/>
-        </a:prstTxWarp>
-        <a:noAutofit/>
-      </a:bodyPr>
+      <a:bodyPr rtlCol="0" anchor="ctr"/>
       <a:lstStyle>
         <a:defPPr algn="ctr">
-          <a:defRPr dirty="0">
-            <a:solidFill>
-              <a:schemeClr val="tx1"/>
-            </a:solidFill>
-          </a:defRPr>
+          <a:defRPr/>
         </a:defPPr>
       </a:lstStyle>
       <a:style>
-        <a:lnRef idx="2">
+        <a:lnRef idx="1">
           <a:schemeClr val="accent1"/>
         </a:lnRef>
-        <a:fillRef idx="1">
-          <a:schemeClr val="lt1"/>
+        <a:fillRef idx="0">
+          <a:schemeClr val="accent1"/>
         </a:fillRef>
         <a:effectRef idx="0">
           <a:schemeClr val="accent1"/>
         </a:effectRef>
         <a:fontRef idx="minor">
-          <a:schemeClr val="dk1"/>
+          <a:schemeClr val="tx1"/>
         </a:fontRef>
       </a:style>
     </a:spDef>

--- a/Slides/Lesson 4.3 Lists of Structures.pptx
+++ b/Slides/Lesson 4.3 Lists of Structures.pptx
@@ -5,7 +5,7 @@
     <p:sldMasterId id="2147483660" r:id="rId1"/>
   </p:sldMasterIdLst>
   <p:notesMasterIdLst>
-    <p:notesMasterId r:id="rId22"/>
+    <p:notesMasterId r:id="rId21"/>
   </p:notesMasterIdLst>
   <p:sldIdLst>
     <p:sldId id="329" r:id="rId2"/>
@@ -21,18 +21,17 @@
     <p:sldId id="437" r:id="rId12"/>
     <p:sldId id="438" r:id="rId13"/>
     <p:sldId id="442" r:id="rId14"/>
-    <p:sldId id="441" r:id="rId15"/>
-    <p:sldId id="440" r:id="rId16"/>
-    <p:sldId id="439" r:id="rId17"/>
-    <p:sldId id="335" r:id="rId18"/>
-    <p:sldId id="340" r:id="rId19"/>
-    <p:sldId id="341" r:id="rId20"/>
-    <p:sldId id="342" r:id="rId21"/>
+    <p:sldId id="440" r:id="rId15"/>
+    <p:sldId id="439" r:id="rId16"/>
+    <p:sldId id="335" r:id="rId17"/>
+    <p:sldId id="340" r:id="rId18"/>
+    <p:sldId id="341" r:id="rId19"/>
+    <p:sldId id="342" r:id="rId20"/>
   </p:sldIdLst>
   <p:sldSz cx="9144000" cy="6858000" type="screen4x3"/>
   <p:notesSz cx="6858000" cy="9144000"/>
   <p:custDataLst>
-    <p:tags r:id="rId23"/>
+    <p:tags r:id="rId22"/>
   </p:custDataLst>
   <p:defaultTextStyle>
     <a:defPPr>
@@ -147,7 +146,6 @@
             <p14:sldId id="437"/>
             <p14:sldId id="438"/>
             <p14:sldId id="442"/>
-            <p14:sldId id="441"/>
             <p14:sldId id="440"/>
             <p14:sldId id="439"/>
             <p14:sldId id="335"/>
@@ -856,7 +854,7 @@
             <a:fld id="{00E1DFD8-B619-4FFF-B366-BDCC98D08110}" type="slidenum">
               <a:rPr lang="en-US" smtClean="0"/>
               <a:pPr/>
-              <a:t>18</a:t>
+              <a:t>17</a:t>
             </a:fld>
             <a:endParaRPr lang="en-US"/>
           </a:p>
@@ -6216,23 +6214,174 @@
             <p:ph type="title"/>
           </p:nvPr>
         </p:nvSpPr>
-        <p:spPr>
-          <a:ln w="25400">
-            <a:solidFill>
-              <a:schemeClr val="accent1"/>
-            </a:solidFill>
-          </a:ln>
-        </p:spPr>
-        <p:txBody>
-          <a:bodyPr vert="horz" lIns="91440" tIns="45720" rIns="91440" bIns="45720" rtlCol="0" anchor="ctr">
+        <p:spPr/>
+        <p:txBody>
+          <a:bodyPr>
             <a:normAutofit fontScale="90000"/>
           </a:bodyPr>
           <a:lstStyle/>
           <a:p>
             <a:r>
               <a:rPr lang="en-US" dirty="0"/>
-              <a:t>Remember: The Shape of the Program Follows the Shape of the Data</a:t>
-            </a:r>
+              <a:t>Example function: </a:t>
+            </a:r>
+            <a:r>
+              <a:rPr lang="en-US" b="1" dirty="0"/>
+              <a:t>inventory-authors</a:t>
+            </a:r>
+          </a:p>
+        </p:txBody>
+      </p:sp>
+      <p:sp>
+        <p:nvSpPr>
+          <p:cNvPr id="3" name="Content Placeholder 2"/>
+          <p:cNvSpPr>
+            <a:spLocks noGrp="1"/>
+          </p:cNvSpPr>
+          <p:nvPr>
+            <p:ph idx="1"/>
+          </p:nvPr>
+        </p:nvSpPr>
+        <p:spPr/>
+        <p:txBody>
+          <a:bodyPr>
+            <a:normAutofit fontScale="47500" lnSpcReduction="20000"/>
+          </a:bodyPr>
+          <a:lstStyle/>
+          <a:p>
+            <a:r>
+              <a:rPr lang="en-US" dirty="0"/>
+              <a:t>;; inventory-authors : Inventory -&gt; </a:t>
+            </a:r>
+            <a:r>
+              <a:rPr lang="en-US" dirty="0" err="1"/>
+              <a:t>AuthorList</a:t>
+            </a:r>
+            <a:endParaRPr lang="en-US" dirty="0"/>
+          </a:p>
+          <a:p>
+            <a:r>
+              <a:rPr lang="en-US" dirty="0"/>
+              <a:t>;; GIVEN: An Inventory</a:t>
+            </a:r>
+          </a:p>
+          <a:p>
+            <a:r>
+              <a:rPr lang="en-US" dirty="0"/>
+              <a:t>;; RETURNS: A list of the all the authors of the books in the</a:t>
+            </a:r>
+          </a:p>
+          <a:p>
+            <a:r>
+              <a:rPr lang="en-US" dirty="0"/>
+              <a:t>;; inventory.  Repetitions are allowed.  Books with no copies in stock</a:t>
+            </a:r>
+          </a:p>
+          <a:p>
+            <a:r>
+              <a:rPr lang="en-US" dirty="0"/>
+              <a:t>;; are included. The authors may appear in any order.</a:t>
+            </a:r>
+          </a:p>
+          <a:p>
+            <a:r>
+              <a:rPr lang="en-US" dirty="0"/>
+              <a:t>;; EXAMPLE: (inventory-authors inv1) </a:t>
+            </a:r>
+          </a:p>
+          <a:p>
+            <a:r>
+              <a:rPr lang="en-US" dirty="0"/>
+              <a:t>            = (list "</a:t>
+            </a:r>
+            <a:r>
+              <a:rPr lang="en-US" dirty="0" err="1"/>
+              <a:t>Felleisen</a:t>
+            </a:r>
+            <a:r>
+              <a:rPr lang="en-US" dirty="0"/>
+              <a:t>" "Wand" "Shakespeare" "Shakespeare")</a:t>
+            </a:r>
+          </a:p>
+          <a:p>
+            <a:r>
+              <a:rPr lang="en-US" dirty="0"/>
+              <a:t>;; STRATEGY: Use observer template for Inventory</a:t>
+            </a:r>
+          </a:p>
+          <a:p>
+            <a:endParaRPr lang="en-US" dirty="0"/>
+          </a:p>
+          <a:p>
+            <a:r>
+              <a:rPr lang="en-US" dirty="0"/>
+              <a:t>(define (inventory-authors </a:t>
+            </a:r>
+            <a:r>
+              <a:rPr lang="en-US" dirty="0" err="1"/>
+              <a:t>inv</a:t>
+            </a:r>
+            <a:r>
+              <a:rPr lang="en-US" dirty="0"/>
+              <a:t>)</a:t>
+            </a:r>
+          </a:p>
+          <a:p>
+            <a:r>
+              <a:rPr lang="en-US" dirty="0"/>
+              <a:t>  (cond</a:t>
+            </a:r>
+          </a:p>
+          <a:p>
+            <a:r>
+              <a:rPr lang="en-US" dirty="0"/>
+              <a:t>    [(empty? </a:t>
+            </a:r>
+            <a:r>
+              <a:rPr lang="en-US" dirty="0" err="1"/>
+              <a:t>inv</a:t>
+            </a:r>
+            <a:r>
+              <a:rPr lang="en-US" dirty="0"/>
+              <a:t>) empty]</a:t>
+            </a:r>
+          </a:p>
+          <a:p>
+            <a:r>
+              <a:rPr lang="en-US" dirty="0"/>
+              <a:t>    [else (cons</a:t>
+            </a:r>
+          </a:p>
+          <a:p>
+            <a:r>
+              <a:rPr lang="en-US" dirty="0"/>
+              <a:t>           (book-status-author (first </a:t>
+            </a:r>
+            <a:r>
+              <a:rPr lang="en-US" dirty="0" err="1"/>
+              <a:t>inv</a:t>
+            </a:r>
+            <a:r>
+              <a:rPr lang="en-US" dirty="0"/>
+              <a:t>))</a:t>
+            </a:r>
+          </a:p>
+          <a:p>
+            <a:r>
+              <a:rPr lang="en-US" dirty="0"/>
+              <a:t>           (inventory-authors  (rest </a:t>
+            </a:r>
+            <a:r>
+              <a:rPr lang="en-US" dirty="0" err="1"/>
+              <a:t>inv</a:t>
+            </a:r>
+            <a:r>
+              <a:rPr lang="en-US" dirty="0"/>
+              <a:t>)))]))</a:t>
+            </a:r>
+          </a:p>
+          <a:p>
+            <a:endParaRPr lang="en-US" dirty="0"/>
           </a:p>
         </p:txBody>
       </p:sp>
@@ -6251,439 +6400,18 @@
           <a:bodyPr/>
           <a:lstStyle/>
           <a:p>
-            <a:fld id="{8D704B19-8EED-495A-99FA-12E5518CCC54}" type="slidenum">
+            <a:fld id="{2AF3B5EA-18B6-4040-9F78-6052AF49C681}" type="slidenum">
               <a:rPr lang="en-US" smtClean="0"/>
-              <a:pPr/>
               <a:t>14</a:t>
             </a:fld>
             <a:endParaRPr lang="en-US"/>
           </a:p>
         </p:txBody>
       </p:sp>
-      <p:sp>
-        <p:nvSpPr>
-          <p:cNvPr id="27" name="TextBox 26"/>
-          <p:cNvSpPr txBox="1"/>
-          <p:nvPr/>
-        </p:nvSpPr>
-        <p:spPr>
-          <a:xfrm>
-            <a:off x="1295400" y="4648200"/>
-            <a:ext cx="2209800" cy="1200329"/>
-          </a:xfrm>
-          <a:prstGeom prst="rect">
-            <a:avLst/>
-          </a:prstGeom>
-          <a:solidFill>
-            <a:schemeClr val="accent1">
-              <a:lumMod val="20000"/>
-              <a:lumOff val="80000"/>
-            </a:schemeClr>
-          </a:solidFill>
-        </p:spPr>
-        <p:txBody>
-          <a:bodyPr wrap="square" rtlCol="0">
-            <a:spAutoFit/>
-          </a:bodyPr>
-          <a:lstStyle/>
-          <a:p>
-            <a:r>
-              <a:rPr lang="en-US" dirty="0"/>
-              <a:t>Data Hierarchy (a non-empty </a:t>
-            </a:r>
-            <a:r>
-              <a:rPr lang="en-US" dirty="0" err="1"/>
-              <a:t>Xlist</a:t>
-            </a:r>
-            <a:r>
-              <a:rPr lang="en-US" dirty="0"/>
-              <a:t> contains another </a:t>
-            </a:r>
-            <a:r>
-              <a:rPr lang="en-US" dirty="0" err="1"/>
-              <a:t>Xlist</a:t>
-            </a:r>
-            <a:r>
-              <a:rPr lang="en-US" dirty="0"/>
-              <a:t>)</a:t>
-            </a:r>
-          </a:p>
-        </p:txBody>
-      </p:sp>
-      <p:sp>
-        <p:nvSpPr>
-          <p:cNvPr id="28" name="TextBox 27"/>
-          <p:cNvSpPr txBox="1"/>
-          <p:nvPr/>
-        </p:nvSpPr>
-        <p:spPr>
-          <a:xfrm flipH="1">
-            <a:off x="5682515" y="4660404"/>
-            <a:ext cx="2057400" cy="923330"/>
-          </a:xfrm>
-          <a:prstGeom prst="rect">
-            <a:avLst/>
-          </a:prstGeom>
-          <a:solidFill>
-            <a:schemeClr val="accent1">
-              <a:lumMod val="20000"/>
-              <a:lumOff val="80000"/>
-            </a:schemeClr>
-          </a:solidFill>
-        </p:spPr>
-        <p:txBody>
-          <a:bodyPr wrap="square" rtlCol="0">
-            <a:spAutoFit/>
-          </a:bodyPr>
-          <a:lstStyle/>
-          <a:p>
-            <a:r>
-              <a:rPr lang="en-US" dirty="0"/>
-              <a:t>Call Tree (</a:t>
-            </a:r>
-            <a:r>
-              <a:rPr lang="en-US" b="1" dirty="0" err="1"/>
-              <a:t>xlist-fn</a:t>
-            </a:r>
-            <a:r>
-              <a:rPr lang="en-US" dirty="0"/>
-              <a:t> calls itself on the component)</a:t>
-            </a:r>
-          </a:p>
-        </p:txBody>
-      </p:sp>
-      <p:grpSp>
-        <p:nvGrpSpPr>
-          <p:cNvPr id="5" name="Group 4"/>
-          <p:cNvGrpSpPr/>
-          <p:nvPr/>
-        </p:nvGrpSpPr>
-        <p:grpSpPr>
-          <a:xfrm>
-            <a:off x="6139715" y="2341504"/>
-            <a:ext cx="1143000" cy="2006897"/>
-            <a:chOff x="6139715" y="2341504"/>
-            <a:chExt cx="1143000" cy="2006897"/>
-          </a:xfrm>
-        </p:grpSpPr>
-        <p:sp>
-          <p:nvSpPr>
-            <p:cNvPr id="13" name="Rectangle 12"/>
-            <p:cNvSpPr/>
-            <p:nvPr/>
-          </p:nvSpPr>
-          <p:spPr>
-            <a:xfrm>
-              <a:off x="6139715" y="2341504"/>
-              <a:ext cx="1143000" cy="762000"/>
-            </a:xfrm>
-            <a:prstGeom prst="rect">
-              <a:avLst/>
-            </a:prstGeom>
-          </p:spPr>
-          <p:style>
-            <a:lnRef idx="2">
-              <a:schemeClr val="dk1"/>
-            </a:lnRef>
-            <a:fillRef idx="1">
-              <a:schemeClr val="lt1"/>
-            </a:fillRef>
-            <a:effectRef idx="0">
-              <a:schemeClr val="dk1"/>
-            </a:effectRef>
-            <a:fontRef idx="minor">
-              <a:schemeClr val="dk1"/>
-            </a:fontRef>
-          </p:style>
-          <p:txBody>
-            <a:bodyPr rtlCol="0" anchor="ctr"/>
-            <a:lstStyle/>
-            <a:p>
-              <a:pPr algn="ctr"/>
-              <a:r>
-                <a:rPr lang="en-US" dirty="0" err="1"/>
-                <a:t>xlist-fn</a:t>
-              </a:r>
-              <a:endParaRPr lang="en-US" dirty="0"/>
-            </a:p>
-          </p:txBody>
-        </p:sp>
-        <p:sp>
-          <p:nvSpPr>
-            <p:cNvPr id="18" name="Rectangle 17"/>
-            <p:cNvSpPr/>
-            <p:nvPr/>
-          </p:nvSpPr>
-          <p:spPr>
-            <a:xfrm>
-              <a:off x="6139715" y="3586401"/>
-              <a:ext cx="1143000" cy="762000"/>
-            </a:xfrm>
-            <a:prstGeom prst="rect">
-              <a:avLst/>
-            </a:prstGeom>
-          </p:spPr>
-          <p:style>
-            <a:lnRef idx="2">
-              <a:schemeClr val="dk1"/>
-            </a:lnRef>
-            <a:fillRef idx="1">
-              <a:schemeClr val="lt1"/>
-            </a:fillRef>
-            <a:effectRef idx="0">
-              <a:schemeClr val="dk1"/>
-            </a:effectRef>
-            <a:fontRef idx="minor">
-              <a:schemeClr val="dk1"/>
-            </a:fontRef>
-          </p:style>
-          <p:txBody>
-            <a:bodyPr rtlCol="0" anchor="ctr"/>
-            <a:lstStyle/>
-            <a:p>
-              <a:pPr algn="ctr"/>
-              <a:r>
-                <a:rPr lang="en-US" dirty="0" err="1"/>
-                <a:t>xlist-fn</a:t>
-              </a:r>
-              <a:endParaRPr lang="en-US" dirty="0"/>
-            </a:p>
-          </p:txBody>
-        </p:sp>
-        <p:cxnSp>
-          <p:nvCxnSpPr>
-            <p:cNvPr id="20" name="Straight Arrow Connector 19"/>
-            <p:cNvCxnSpPr/>
-            <p:nvPr/>
-          </p:nvCxnSpPr>
-          <p:spPr>
-            <a:xfrm>
-              <a:off x="6730265" y="3114120"/>
-              <a:ext cx="0" cy="472281"/>
-            </a:xfrm>
-            <a:prstGeom prst="straightConnector1">
-              <a:avLst/>
-            </a:prstGeom>
-            <a:ln w="19050">
-              <a:solidFill>
-                <a:schemeClr val="tx1"/>
-              </a:solidFill>
-              <a:tailEnd type="triangle"/>
-            </a:ln>
-          </p:spPr>
-          <p:style>
-            <a:lnRef idx="1">
-              <a:schemeClr val="accent1"/>
-            </a:lnRef>
-            <a:fillRef idx="0">
-              <a:schemeClr val="accent1"/>
-            </a:fillRef>
-            <a:effectRef idx="0">
-              <a:schemeClr val="accent1"/>
-            </a:effectRef>
-            <a:fontRef idx="minor">
-              <a:schemeClr val="tx1"/>
-            </a:fontRef>
-          </p:style>
-        </p:cxnSp>
-      </p:grpSp>
-      <p:grpSp>
-        <p:nvGrpSpPr>
-          <p:cNvPr id="22" name="Group 21"/>
-          <p:cNvGrpSpPr/>
-          <p:nvPr/>
-        </p:nvGrpSpPr>
-        <p:grpSpPr>
-          <a:xfrm>
-            <a:off x="1731008" y="2336194"/>
-            <a:ext cx="1143000" cy="2006897"/>
-            <a:chOff x="6139715" y="2341504"/>
-            <a:chExt cx="1143000" cy="2006897"/>
-          </a:xfrm>
-        </p:grpSpPr>
-        <p:sp>
-          <p:nvSpPr>
-            <p:cNvPr id="25" name="Rectangle 24"/>
-            <p:cNvSpPr/>
-            <p:nvPr/>
-          </p:nvSpPr>
-          <p:spPr>
-            <a:xfrm>
-              <a:off x="6139715" y="2341504"/>
-              <a:ext cx="1143000" cy="762000"/>
-            </a:xfrm>
-            <a:prstGeom prst="rect">
-              <a:avLst/>
-            </a:prstGeom>
-          </p:spPr>
-          <p:style>
-            <a:lnRef idx="2">
-              <a:schemeClr val="dk1"/>
-            </a:lnRef>
-            <a:fillRef idx="1">
-              <a:schemeClr val="lt1"/>
-            </a:fillRef>
-            <a:effectRef idx="0">
-              <a:schemeClr val="dk1"/>
-            </a:effectRef>
-            <a:fontRef idx="minor">
-              <a:schemeClr val="dk1"/>
-            </a:fontRef>
-          </p:style>
-          <p:txBody>
-            <a:bodyPr rtlCol="0" anchor="ctr"/>
-            <a:lstStyle/>
-            <a:p>
-              <a:pPr algn="ctr"/>
-              <a:r>
-                <a:rPr lang="en-US" dirty="0" err="1"/>
-                <a:t>Xlist</a:t>
-              </a:r>
-              <a:endParaRPr lang="en-US" dirty="0"/>
-            </a:p>
-          </p:txBody>
-        </p:sp>
-        <p:sp>
-          <p:nvSpPr>
-            <p:cNvPr id="26" name="Rectangle 25"/>
-            <p:cNvSpPr/>
-            <p:nvPr/>
-          </p:nvSpPr>
-          <p:spPr>
-            <a:xfrm>
-              <a:off x="6139715" y="3586401"/>
-              <a:ext cx="1143000" cy="762000"/>
-            </a:xfrm>
-            <a:prstGeom prst="rect">
-              <a:avLst/>
-            </a:prstGeom>
-          </p:spPr>
-          <p:style>
-            <a:lnRef idx="2">
-              <a:schemeClr val="dk1"/>
-            </a:lnRef>
-            <a:fillRef idx="1">
-              <a:schemeClr val="lt1"/>
-            </a:fillRef>
-            <a:effectRef idx="0">
-              <a:schemeClr val="dk1"/>
-            </a:effectRef>
-            <a:fontRef idx="minor">
-              <a:schemeClr val="dk1"/>
-            </a:fontRef>
-          </p:style>
-          <p:txBody>
-            <a:bodyPr rtlCol="0" anchor="ctr"/>
-            <a:lstStyle/>
-            <a:p>
-              <a:pPr algn="ctr"/>
-              <a:r>
-                <a:rPr lang="en-US" dirty="0" err="1"/>
-                <a:t>Xlist</a:t>
-              </a:r>
-              <a:endParaRPr lang="en-US" dirty="0"/>
-            </a:p>
-          </p:txBody>
-        </p:sp>
-        <p:cxnSp>
-          <p:nvCxnSpPr>
-            <p:cNvPr id="30" name="Straight Arrow Connector 29"/>
-            <p:cNvCxnSpPr/>
-            <p:nvPr/>
-          </p:nvCxnSpPr>
-          <p:spPr>
-            <a:xfrm flipV="1">
-              <a:off x="6711215" y="3119430"/>
-              <a:ext cx="0" cy="472281"/>
-            </a:xfrm>
-            <a:prstGeom prst="straightConnector1">
-              <a:avLst/>
-            </a:prstGeom>
-            <a:ln w="19050">
-              <a:solidFill>
-                <a:schemeClr val="tx1"/>
-              </a:solidFill>
-              <a:tailEnd type="triangle"/>
-            </a:ln>
-          </p:spPr>
-          <p:style>
-            <a:lnRef idx="1">
-              <a:schemeClr val="accent1"/>
-            </a:lnRef>
-            <a:fillRef idx="0">
-              <a:schemeClr val="accent1"/>
-            </a:fillRef>
-            <a:effectRef idx="0">
-              <a:schemeClr val="accent1"/>
-            </a:effectRef>
-            <a:fontRef idx="minor">
-              <a:schemeClr val="tx1"/>
-            </a:fontRef>
-          </p:style>
-        </p:cxnSp>
-      </p:grpSp>
-      <p:sp>
-        <p:nvSpPr>
-          <p:cNvPr id="3" name="TextBox 2"/>
-          <p:cNvSpPr txBox="1"/>
-          <p:nvPr/>
-        </p:nvSpPr>
-        <p:spPr>
-          <a:xfrm>
-            <a:off x="2361194" y="3195833"/>
-            <a:ext cx="1847850" cy="369332"/>
-          </a:xfrm>
-          <a:prstGeom prst="rect">
-            <a:avLst/>
-          </a:prstGeom>
-          <a:noFill/>
-        </p:spPr>
-        <p:txBody>
-          <a:bodyPr wrap="square" rtlCol="0">
-            <a:spAutoFit/>
-          </a:bodyPr>
-          <a:lstStyle/>
-          <a:p>
-            <a:r>
-              <a:rPr lang="en-US" dirty="0"/>
-              <a:t>is-component-of</a:t>
-            </a:r>
-          </a:p>
-        </p:txBody>
-      </p:sp>
-      <p:sp>
-        <p:nvSpPr>
-          <p:cNvPr id="17" name="TextBox 16"/>
-          <p:cNvSpPr txBox="1"/>
-          <p:nvPr/>
-        </p:nvSpPr>
-        <p:spPr>
-          <a:xfrm>
-            <a:off x="6696075" y="3160286"/>
-            <a:ext cx="586640" cy="369332"/>
-          </a:xfrm>
-          <a:prstGeom prst="rect">
-            <a:avLst/>
-          </a:prstGeom>
-          <a:noFill/>
-        </p:spPr>
-        <p:txBody>
-          <a:bodyPr wrap="square" rtlCol="0">
-            <a:spAutoFit/>
-          </a:bodyPr>
-          <a:lstStyle/>
-          <a:p>
-            <a:r>
-              <a:rPr lang="en-US" dirty="0"/>
-              <a:t>calls</a:t>
-            </a:r>
-          </a:p>
-        </p:txBody>
-      </p:sp>
     </p:spTree>
     <p:extLst>
       <p:ext uri="{BB962C8B-B14F-4D97-AF65-F5344CB8AC3E}">
-        <p14:creationId xmlns:p14="http://schemas.microsoft.com/office/powerpoint/2010/main" val="3772012202"/>
+        <p14:creationId xmlns:p14="http://schemas.microsoft.com/office/powerpoint/2010/main" val="4081814883"/>
       </p:ext>
     </p:extLst>
   </p:cSld>
@@ -6712,7 +6440,7 @@
       </p:grpSpPr>
       <p:sp>
         <p:nvSpPr>
-          <p:cNvPr id="2" name="Title 1"/>
+          <p:cNvPr id="5" name="Title 4"/>
           <p:cNvSpPr>
             <a:spLocks noGrp="1"/>
           </p:cNvSpPr>
@@ -6729,18 +6457,22 @@
           <a:p>
             <a:r>
               <a:rPr lang="en-US" dirty="0"/>
-              <a:t>Example function: </a:t>
-            </a:r>
-            <a:r>
-              <a:rPr lang="en-US" b="1" dirty="0"/>
-              <a:t>inventory-authors</a:t>
-            </a:r>
-          </a:p>
-        </p:txBody>
-      </p:sp>
-      <p:sp>
-        <p:nvSpPr>
-          <p:cNvPr id="3" name="Content Placeholder 2"/>
+              <a:t>An Inventory– but </a:t>
+            </a:r>
+            <a:r>
+              <a:rPr lang="en-US" i="1" dirty="0"/>
+              <a:t>which</a:t>
+            </a:r>
+            <a:r>
+              <a:rPr lang="en-US" dirty="0"/>
+              <a:t> inventory?</a:t>
+            </a:r>
+          </a:p>
+        </p:txBody>
+      </p:sp>
+      <p:sp>
+        <p:nvSpPr>
+          <p:cNvPr id="6" name="Content Placeholder 5"/>
           <p:cNvSpPr>
             <a:spLocks noGrp="1"/>
           </p:cNvSpPr>
@@ -6750,144 +6482,25 @@
         </p:nvSpPr>
         <p:spPr/>
         <p:txBody>
-          <a:bodyPr>
-            <a:normAutofit fontScale="47500" lnSpcReduction="20000"/>
-          </a:bodyPr>
-          <a:lstStyle/>
-          <a:p>
-            <a:r>
-              <a:rPr lang="en-US" dirty="0"/>
-              <a:t>;; inventory-authors : Inventory -&gt; </a:t>
-            </a:r>
-            <a:r>
-              <a:rPr lang="en-US" dirty="0" err="1"/>
-              <a:t>AuthorList</a:t>
-            </a:r>
-            <a:endParaRPr lang="en-US" dirty="0"/>
-          </a:p>
-          <a:p>
-            <a:r>
-              <a:rPr lang="en-US" dirty="0"/>
-              <a:t>;; GIVEN: An Inventory</a:t>
-            </a:r>
-          </a:p>
-          <a:p>
-            <a:r>
-              <a:rPr lang="en-US" dirty="0"/>
-              <a:t>;; RETURNS: A list of the all the authors of the books in the</a:t>
-            </a:r>
-          </a:p>
-          <a:p>
-            <a:r>
-              <a:rPr lang="en-US" dirty="0"/>
-              <a:t>;; inventory.  Repetitions are allowed.  Books with no copies in stock</a:t>
-            </a:r>
-          </a:p>
-          <a:p>
-            <a:r>
-              <a:rPr lang="en-US" dirty="0"/>
-              <a:t>;; are included. The authors may appear in any order.</a:t>
-            </a:r>
-          </a:p>
-          <a:p>
-            <a:r>
-              <a:rPr lang="en-US" dirty="0"/>
-              <a:t>;; EXAMPLE: (inventory-authors inv1) </a:t>
-            </a:r>
-          </a:p>
-          <a:p>
-            <a:r>
-              <a:rPr lang="en-US" dirty="0"/>
-              <a:t>            = (list "</a:t>
-            </a:r>
-            <a:r>
-              <a:rPr lang="en-US" dirty="0" err="1"/>
-              <a:t>Felleisen</a:t>
-            </a:r>
-            <a:r>
-              <a:rPr lang="en-US" dirty="0"/>
-              <a:t>" "Wand" "Shakespeare" "Shakespeare")</a:t>
-            </a:r>
-          </a:p>
-          <a:p>
-            <a:r>
-              <a:rPr lang="en-US" dirty="0"/>
-              <a:t>;; STRATEGY: Use observer template for Inventory</a:t>
-            </a:r>
-          </a:p>
-          <a:p>
-            <a:endParaRPr lang="en-US" dirty="0"/>
-          </a:p>
-          <a:p>
-            <a:r>
-              <a:rPr lang="en-US" dirty="0"/>
-              <a:t>(define (inventory-authors </a:t>
-            </a:r>
-            <a:r>
-              <a:rPr lang="en-US" dirty="0" err="1"/>
-              <a:t>inv</a:t>
-            </a:r>
-            <a:r>
-              <a:rPr lang="en-US" dirty="0"/>
-              <a:t>)</a:t>
-            </a:r>
-          </a:p>
-          <a:p>
-            <a:r>
-              <a:rPr lang="en-US" dirty="0"/>
-              <a:t>  (cond</a:t>
-            </a:r>
-          </a:p>
-          <a:p>
-            <a:r>
-              <a:rPr lang="en-US" dirty="0"/>
-              <a:t>    [(empty? </a:t>
-            </a:r>
-            <a:r>
-              <a:rPr lang="en-US" dirty="0" err="1"/>
-              <a:t>inv</a:t>
-            </a:r>
-            <a:r>
-              <a:rPr lang="en-US" dirty="0"/>
-              <a:t>) empty]</a:t>
-            </a:r>
-          </a:p>
-          <a:p>
-            <a:r>
-              <a:rPr lang="en-US" dirty="0"/>
-              <a:t>    [else (cons</a:t>
-            </a:r>
-          </a:p>
-          <a:p>
-            <a:r>
-              <a:rPr lang="en-US" dirty="0"/>
-              <a:t>           (book-status-author (first </a:t>
-            </a:r>
-            <a:r>
-              <a:rPr lang="en-US" dirty="0" err="1"/>
-              <a:t>inv</a:t>
-            </a:r>
-            <a:r>
-              <a:rPr lang="en-US" dirty="0"/>
-              <a:t>))</a:t>
-            </a:r>
-          </a:p>
-          <a:p>
-            <a:r>
-              <a:rPr lang="en-US" dirty="0"/>
-              <a:t>           (inventory-authors  (rest </a:t>
-            </a:r>
-            <a:r>
-              <a:rPr lang="en-US" dirty="0" err="1"/>
-              <a:t>inv</a:t>
-            </a:r>
-            <a:r>
-              <a:rPr lang="en-US" dirty="0"/>
-              <a:t>)))]))</a:t>
-            </a:r>
-          </a:p>
-          <a:p>
-            <a:endParaRPr lang="en-US" dirty="0"/>
+          <a:bodyPr/>
+          <a:lstStyle/>
+          <a:p>
+            <a:r>
+              <a:rPr lang="en-US" dirty="0"/>
+              <a:t>So far we've decided how to represent an inventory.</a:t>
+            </a:r>
+          </a:p>
+          <a:p>
+            <a:r>
+              <a:rPr lang="en-US" dirty="0"/>
+              <a:t>But what store is it the inventory of?</a:t>
+            </a:r>
+          </a:p>
+          <a:p>
+            <a:r>
+              <a:rPr lang="en-US" dirty="0"/>
+              <a:t>And what date does it represent?</a:t>
+            </a:r>
           </a:p>
         </p:txBody>
       </p:sp>
@@ -6917,7 +6530,7 @@
     </p:spTree>
     <p:extLst>
       <p:ext uri="{BB962C8B-B14F-4D97-AF65-F5344CB8AC3E}">
-        <p14:creationId xmlns:p14="http://schemas.microsoft.com/office/powerpoint/2010/main" val="4081814883"/>
+        <p14:creationId xmlns:p14="http://schemas.microsoft.com/office/powerpoint/2010/main" val="1770716790"/>
       </p:ext>
     </p:extLst>
   </p:cSld>
@@ -6946,7 +6559,7 @@
       </p:grpSpPr>
       <p:sp>
         <p:nvSpPr>
-          <p:cNvPr id="5" name="Title 4"/>
+          <p:cNvPr id="2" name="Title 1"/>
           <p:cNvSpPr>
             <a:spLocks noGrp="1"/>
           </p:cNvSpPr>
@@ -6957,28 +6570,21 @@
         <p:spPr/>
         <p:txBody>
           <a:bodyPr>
-            <a:normAutofit fontScale="90000"/>
+            <a:normAutofit/>
           </a:bodyPr>
           <a:lstStyle/>
           <a:p>
             <a:r>
-              <a:rPr lang="en-US" dirty="0"/>
-              <a:t>An Inventory– but </a:t>
-            </a:r>
-            <a:r>
-              <a:rPr lang="en-US" i="1" dirty="0"/>
-              <a:t>which</a:t>
-            </a:r>
-            <a:r>
-              <a:rPr lang="en-US" dirty="0"/>
-              <a:t> inventory?</a:t>
-            </a:r>
-          </a:p>
-        </p:txBody>
-      </p:sp>
-      <p:sp>
-        <p:nvSpPr>
-          <p:cNvPr id="6" name="Content Placeholder 5"/>
+              <a:rPr lang="en-US" dirty="0" err="1"/>
+              <a:t>BookstoreState</a:t>
+            </a:r>
+            <a:endParaRPr lang="en-US" dirty="0"/>
+          </a:p>
+        </p:txBody>
+      </p:sp>
+      <p:sp>
+        <p:nvSpPr>
+          <p:cNvPr id="5" name="Content Placeholder 4"/>
           <p:cNvSpPr>
             <a:spLocks noGrp="1"/>
           </p:cNvSpPr>
@@ -6988,24 +6594,169 @@
         </p:nvSpPr>
         <p:spPr/>
         <p:txBody>
-          <a:bodyPr/>
-          <a:lstStyle/>
-          <a:p>
-            <a:r>
-              <a:rPr lang="en-US" dirty="0"/>
-              <a:t>So far we've decided how to represent an inventory.</a:t>
-            </a:r>
-          </a:p>
-          <a:p>
-            <a:r>
-              <a:rPr lang="en-US" dirty="0"/>
-              <a:t>But what store is it the inventory of?</a:t>
-            </a:r>
-          </a:p>
-          <a:p>
-            <a:r>
-              <a:rPr lang="en-US" dirty="0"/>
-              <a:t>And what date does it represent?</a:t>
+          <a:bodyPr>
+            <a:normAutofit fontScale="40000" lnSpcReduction="20000"/>
+          </a:bodyPr>
+          <a:lstStyle/>
+          <a:p>
+            <a:r>
+              <a:rPr lang="en-US" dirty="0"/>
+              <a:t>;; A Date is represented as a ....</a:t>
+            </a:r>
+          </a:p>
+          <a:p>
+            <a:endParaRPr lang="en-US" dirty="0"/>
+          </a:p>
+          <a:p>
+            <a:r>
+              <a:rPr lang="en-US" dirty="0"/>
+              <a:t>;; A </a:t>
+            </a:r>
+            <a:r>
+              <a:rPr lang="en-US" dirty="0" err="1"/>
+              <a:t>BookstoreState</a:t>
+            </a:r>
+            <a:r>
+              <a:rPr lang="en-US" dirty="0"/>
+              <a:t> is represented as a (bookstore-state date stock)</a:t>
+            </a:r>
+          </a:p>
+          <a:p>
+            <a:r>
+              <a:rPr lang="en-US" dirty="0"/>
+              <a:t>;; INTERP:</a:t>
+            </a:r>
+          </a:p>
+          <a:p>
+            <a:r>
+              <a:rPr lang="en-US" dirty="0"/>
+              <a:t>;; date   : Date         -- the date we are modelling</a:t>
+            </a:r>
+          </a:p>
+          <a:p>
+            <a:r>
+              <a:rPr lang="en-US" dirty="0"/>
+              <a:t>;; stock  : Inventory    -- the inventory of the bookstore as of 9am ET on</a:t>
+            </a:r>
+          </a:p>
+          <a:p>
+            <a:r>
+              <a:rPr lang="en-US" dirty="0"/>
+              <a:t>;;                          the given date.</a:t>
+            </a:r>
+          </a:p>
+          <a:p>
+            <a:endParaRPr lang="en-US" dirty="0"/>
+          </a:p>
+          <a:p>
+            <a:r>
+              <a:rPr lang="en-US" dirty="0"/>
+              <a:t>;;  IMPLEMENTATION:</a:t>
+            </a:r>
+          </a:p>
+          <a:p>
+            <a:endParaRPr lang="en-US" dirty="0"/>
+          </a:p>
+          <a:p>
+            <a:r>
+              <a:rPr lang="en-US" dirty="0"/>
+              <a:t>(define-struct bookstore-state (date stock))</a:t>
+            </a:r>
+          </a:p>
+          <a:p>
+            <a:endParaRPr lang="en-US" dirty="0"/>
+          </a:p>
+          <a:p>
+            <a:r>
+              <a:rPr lang="en-US" dirty="0"/>
+              <a:t>;; CONSTRUCTOR TEMPLATE</a:t>
+            </a:r>
+          </a:p>
+          <a:p>
+            <a:r>
+              <a:rPr lang="en-US" dirty="0"/>
+              <a:t>;; (make-bookstore-state Date Inventory)</a:t>
+            </a:r>
+          </a:p>
+          <a:p>
+            <a:endParaRPr lang="en-US" dirty="0"/>
+          </a:p>
+          <a:p>
+            <a:r>
+              <a:rPr lang="en-US" dirty="0"/>
+              <a:t>;; OBSERVER TEMPLATE</a:t>
+            </a:r>
+          </a:p>
+          <a:p>
+            <a:r>
+              <a:rPr lang="en-US" dirty="0"/>
+              <a:t>;; state-</a:t>
+            </a:r>
+            <a:r>
+              <a:rPr lang="en-US" dirty="0" err="1"/>
+              <a:t>fn</a:t>
+            </a:r>
+            <a:r>
+              <a:rPr lang="en-US" dirty="0"/>
+              <a:t> : </a:t>
+            </a:r>
+            <a:r>
+              <a:rPr lang="en-US" dirty="0" err="1"/>
+              <a:t>BookstoreState</a:t>
+            </a:r>
+            <a:r>
+              <a:rPr lang="en-US" dirty="0"/>
+              <a:t> -&gt; ??</a:t>
+            </a:r>
+          </a:p>
+          <a:p>
+            <a:r>
+              <a:rPr lang="en-US" dirty="0"/>
+              <a:t>(define (state-</a:t>
+            </a:r>
+            <a:r>
+              <a:rPr lang="en-US" dirty="0" err="1"/>
+              <a:t>fn</a:t>
+            </a:r>
+            <a:r>
+              <a:rPr lang="en-US" dirty="0"/>
+              <a:t> </a:t>
+            </a:r>
+            <a:r>
+              <a:rPr lang="en-US" dirty="0" err="1"/>
+              <a:t>bss</a:t>
+            </a:r>
+            <a:r>
+              <a:rPr lang="en-US" dirty="0"/>
+              <a:t>)</a:t>
+            </a:r>
+          </a:p>
+          <a:p>
+            <a:r>
+              <a:rPr lang="en-US" dirty="0"/>
+              <a:t>  (... (bookstore-state-date </a:t>
+            </a:r>
+            <a:r>
+              <a:rPr lang="en-US" dirty="0" err="1"/>
+              <a:t>bss</a:t>
+            </a:r>
+            <a:r>
+              <a:rPr lang="en-US" dirty="0"/>
+              <a:t>)</a:t>
+            </a:r>
+          </a:p>
+          <a:p>
+            <a:r>
+              <a:rPr lang="en-US" dirty="0"/>
+              <a:t>       (bookstore-state-stock </a:t>
+            </a:r>
+            <a:r>
+              <a:rPr lang="en-US" dirty="0" err="1"/>
+              <a:t>bss</a:t>
+            </a:r>
+            <a:r>
+              <a:rPr lang="en-US" dirty="0"/>
+              <a:t>)))</a:t>
             </a:r>
           </a:p>
         </p:txBody>
@@ -7028,263 +6779,6 @@
             <a:fld id="{2AF3B5EA-18B6-4040-9F78-6052AF49C681}" type="slidenum">
               <a:rPr lang="en-US" smtClean="0"/>
               <a:t>16</a:t>
-            </a:fld>
-            <a:endParaRPr lang="en-US"/>
-          </a:p>
-        </p:txBody>
-      </p:sp>
-    </p:spTree>
-    <p:extLst>
-      <p:ext uri="{BB962C8B-B14F-4D97-AF65-F5344CB8AC3E}">
-        <p14:creationId xmlns:p14="http://schemas.microsoft.com/office/powerpoint/2010/main" val="1770716790"/>
-      </p:ext>
-    </p:extLst>
-  </p:cSld>
-  <p:clrMapOvr>
-    <a:masterClrMapping/>
-  </p:clrMapOvr>
-</p:sld>
-</file>
-
-<file path=ppt/slides/slide17.xml><?xml version="1.0" encoding="utf-8"?>
-<p:sld xmlns:a="http://schemas.openxmlformats.org/drawingml/2006/main" xmlns:r="http://schemas.openxmlformats.org/officeDocument/2006/relationships" xmlns:p="http://schemas.openxmlformats.org/presentationml/2006/main">
-  <p:cSld>
-    <p:spTree>
-      <p:nvGrpSpPr>
-        <p:cNvPr id="1" name=""/>
-        <p:cNvGrpSpPr/>
-        <p:nvPr/>
-      </p:nvGrpSpPr>
-      <p:grpSpPr>
-        <a:xfrm>
-          <a:off x="0" y="0"/>
-          <a:ext cx="0" cy="0"/>
-          <a:chOff x="0" y="0"/>
-          <a:chExt cx="0" cy="0"/>
-        </a:xfrm>
-      </p:grpSpPr>
-      <p:sp>
-        <p:nvSpPr>
-          <p:cNvPr id="2" name="Title 1"/>
-          <p:cNvSpPr>
-            <a:spLocks noGrp="1"/>
-          </p:cNvSpPr>
-          <p:nvPr>
-            <p:ph type="title"/>
-          </p:nvPr>
-        </p:nvSpPr>
-        <p:spPr/>
-        <p:txBody>
-          <a:bodyPr>
-            <a:normAutofit/>
-          </a:bodyPr>
-          <a:lstStyle/>
-          <a:p>
-            <a:r>
-              <a:rPr lang="en-US" dirty="0" err="1"/>
-              <a:t>BookstoreState</a:t>
-            </a:r>
-            <a:endParaRPr lang="en-US" dirty="0"/>
-          </a:p>
-        </p:txBody>
-      </p:sp>
-      <p:sp>
-        <p:nvSpPr>
-          <p:cNvPr id="5" name="Content Placeholder 4"/>
-          <p:cNvSpPr>
-            <a:spLocks noGrp="1"/>
-          </p:cNvSpPr>
-          <p:nvPr>
-            <p:ph idx="1"/>
-          </p:nvPr>
-        </p:nvSpPr>
-        <p:spPr/>
-        <p:txBody>
-          <a:bodyPr>
-            <a:normAutofit fontScale="40000" lnSpcReduction="20000"/>
-          </a:bodyPr>
-          <a:lstStyle/>
-          <a:p>
-            <a:r>
-              <a:rPr lang="en-US" dirty="0"/>
-              <a:t>;; A Date is represented as a ....</a:t>
-            </a:r>
-          </a:p>
-          <a:p>
-            <a:endParaRPr lang="en-US" dirty="0"/>
-          </a:p>
-          <a:p>
-            <a:r>
-              <a:rPr lang="en-US" dirty="0"/>
-              <a:t>;; A </a:t>
-            </a:r>
-            <a:r>
-              <a:rPr lang="en-US" dirty="0" err="1"/>
-              <a:t>BookstoreState</a:t>
-            </a:r>
-            <a:r>
-              <a:rPr lang="en-US" dirty="0"/>
-              <a:t> is represented as a (bookstore-state date stock)</a:t>
-            </a:r>
-          </a:p>
-          <a:p>
-            <a:r>
-              <a:rPr lang="en-US" dirty="0"/>
-              <a:t>;; INTERP:</a:t>
-            </a:r>
-          </a:p>
-          <a:p>
-            <a:r>
-              <a:rPr lang="en-US" dirty="0"/>
-              <a:t>;; date   : Date         -- the date we are modelling</a:t>
-            </a:r>
-          </a:p>
-          <a:p>
-            <a:r>
-              <a:rPr lang="en-US" dirty="0"/>
-              <a:t>;; stock  : Inventory    -- the inventory of the bookstore as of 9am ET on</a:t>
-            </a:r>
-          </a:p>
-          <a:p>
-            <a:r>
-              <a:rPr lang="en-US" dirty="0"/>
-              <a:t>;;                          the given date.</a:t>
-            </a:r>
-          </a:p>
-          <a:p>
-            <a:endParaRPr lang="en-US" dirty="0"/>
-          </a:p>
-          <a:p>
-            <a:r>
-              <a:rPr lang="en-US" dirty="0"/>
-              <a:t>;;  IMPLEMENTATION:</a:t>
-            </a:r>
-          </a:p>
-          <a:p>
-            <a:endParaRPr lang="en-US" dirty="0"/>
-          </a:p>
-          <a:p>
-            <a:r>
-              <a:rPr lang="en-US" dirty="0"/>
-              <a:t>(define-struct bookstore-state (date stock))</a:t>
-            </a:r>
-          </a:p>
-          <a:p>
-            <a:endParaRPr lang="en-US" dirty="0"/>
-          </a:p>
-          <a:p>
-            <a:r>
-              <a:rPr lang="en-US" dirty="0"/>
-              <a:t>;; CONSTRUCTOR TEMPLATE</a:t>
-            </a:r>
-          </a:p>
-          <a:p>
-            <a:r>
-              <a:rPr lang="en-US" dirty="0"/>
-              <a:t>;; (make-bookstore-state Date Inventory)</a:t>
-            </a:r>
-          </a:p>
-          <a:p>
-            <a:endParaRPr lang="en-US" dirty="0"/>
-          </a:p>
-          <a:p>
-            <a:r>
-              <a:rPr lang="en-US" dirty="0"/>
-              <a:t>;; OBSERVER TEMPLATE</a:t>
-            </a:r>
-          </a:p>
-          <a:p>
-            <a:r>
-              <a:rPr lang="en-US" dirty="0"/>
-              <a:t>;; state-</a:t>
-            </a:r>
-            <a:r>
-              <a:rPr lang="en-US" dirty="0" err="1"/>
-              <a:t>fn</a:t>
-            </a:r>
-            <a:r>
-              <a:rPr lang="en-US" dirty="0"/>
-              <a:t> : </a:t>
-            </a:r>
-            <a:r>
-              <a:rPr lang="en-US" dirty="0" err="1"/>
-              <a:t>BookstoreState</a:t>
-            </a:r>
-            <a:r>
-              <a:rPr lang="en-US" dirty="0"/>
-              <a:t> -&gt; ??</a:t>
-            </a:r>
-          </a:p>
-          <a:p>
-            <a:r>
-              <a:rPr lang="en-US" dirty="0"/>
-              <a:t>(define (state-</a:t>
-            </a:r>
-            <a:r>
-              <a:rPr lang="en-US" dirty="0" err="1"/>
-              <a:t>fn</a:t>
-            </a:r>
-            <a:r>
-              <a:rPr lang="en-US" dirty="0"/>
-              <a:t> </a:t>
-            </a:r>
-            <a:r>
-              <a:rPr lang="en-US" dirty="0" err="1"/>
-              <a:t>bss</a:t>
-            </a:r>
-            <a:r>
-              <a:rPr lang="en-US" dirty="0"/>
-              <a:t>)</a:t>
-            </a:r>
-          </a:p>
-          <a:p>
-            <a:r>
-              <a:rPr lang="en-US" dirty="0"/>
-              <a:t>  (... (bookstore-state-date </a:t>
-            </a:r>
-            <a:r>
-              <a:rPr lang="en-US" dirty="0" err="1"/>
-              <a:t>bss</a:t>
-            </a:r>
-            <a:r>
-              <a:rPr lang="en-US" dirty="0"/>
-              <a:t>)</a:t>
-            </a:r>
-          </a:p>
-          <a:p>
-            <a:r>
-              <a:rPr lang="en-US" dirty="0"/>
-              <a:t>       (bookstore-state-stock </a:t>
-            </a:r>
-            <a:r>
-              <a:rPr lang="en-US" dirty="0" err="1"/>
-              <a:t>bss</a:t>
-            </a:r>
-            <a:r>
-              <a:rPr lang="en-US" dirty="0"/>
-              <a:t>)))</a:t>
-            </a:r>
-          </a:p>
-        </p:txBody>
-      </p:sp>
-      <p:sp>
-        <p:nvSpPr>
-          <p:cNvPr id="4" name="Slide Number Placeholder 3"/>
-          <p:cNvSpPr>
-            <a:spLocks noGrp="1"/>
-          </p:cNvSpPr>
-          <p:nvPr>
-            <p:ph type="sldNum" sz="quarter" idx="12"/>
-          </p:nvPr>
-        </p:nvSpPr>
-        <p:spPr/>
-        <p:txBody>
-          <a:bodyPr/>
-          <a:lstStyle/>
-          <a:p>
-            <a:fld id="{2AF3B5EA-18B6-4040-9F78-6052AF49C681}" type="slidenum">
-              <a:rPr lang="en-US" smtClean="0"/>
-              <a:t>17</a:t>
             </a:fld>
             <a:endParaRPr lang="en-US"/>
           </a:p>
@@ -7362,6 +6856,160 @@
 </p:sld>
 </file>
 
+<file path=ppt/slides/slide17.xml><?xml version="1.0" encoding="utf-8"?>
+<p:sld xmlns:a="http://schemas.openxmlformats.org/drawingml/2006/main" xmlns:r="http://schemas.openxmlformats.org/officeDocument/2006/relationships" xmlns:p="http://schemas.openxmlformats.org/presentationml/2006/main">
+  <p:cSld>
+    <p:spTree>
+      <p:nvGrpSpPr>
+        <p:cNvPr id="1" name=""/>
+        <p:cNvGrpSpPr/>
+        <p:nvPr/>
+      </p:nvGrpSpPr>
+      <p:grpSpPr>
+        <a:xfrm>
+          <a:off x="0" y="0"/>
+          <a:ext cx="0" cy="0"/>
+          <a:chOff x="0" y="0"/>
+          <a:chExt cx="0" cy="0"/>
+        </a:xfrm>
+      </p:grpSpPr>
+      <p:sp>
+        <p:nvSpPr>
+          <p:cNvPr id="2" name="Title 1"/>
+          <p:cNvSpPr>
+            <a:spLocks noGrp="1"/>
+          </p:cNvSpPr>
+          <p:nvPr>
+            <p:ph type="title"/>
+          </p:nvPr>
+        </p:nvSpPr>
+        <p:spPr/>
+        <p:txBody>
+          <a:bodyPr>
+            <a:normAutofit fontScale="90000"/>
+          </a:bodyPr>
+          <a:lstStyle/>
+          <a:p>
+            <a:r>
+              <a:rPr lang="en-US" dirty="0"/>
+              <a:t>Module Summary: Self-Referential or Recursive Information</a:t>
+            </a:r>
+          </a:p>
+        </p:txBody>
+      </p:sp>
+      <p:sp>
+        <p:nvSpPr>
+          <p:cNvPr id="3" name="Content Placeholder 2"/>
+          <p:cNvSpPr>
+            <a:spLocks noGrp="1"/>
+          </p:cNvSpPr>
+          <p:nvPr>
+            <p:ph idx="1"/>
+          </p:nvPr>
+        </p:nvSpPr>
+        <p:spPr/>
+        <p:txBody>
+          <a:bodyPr>
+            <a:normAutofit lnSpcReduction="10000"/>
+          </a:bodyPr>
+          <a:lstStyle/>
+          <a:p>
+            <a:r>
+              <a:rPr lang="en-US" dirty="0"/>
+              <a:t>Represent arbitrary-sized information using a </a:t>
+            </a:r>
+            <a:r>
+              <a:rPr lang="en-US" i="1" dirty="0">
+                <a:solidFill>
+                  <a:srgbClr val="FF0000"/>
+                </a:solidFill>
+              </a:rPr>
+              <a:t>self-referential</a:t>
+            </a:r>
+            <a:r>
+              <a:rPr lang="en-US" dirty="0"/>
+              <a:t> (or </a:t>
+            </a:r>
+            <a:r>
+              <a:rPr lang="en-US" i="1" dirty="0">
+                <a:solidFill>
+                  <a:srgbClr val="FF0000"/>
+                </a:solidFill>
+              </a:rPr>
+              <a:t>recursive</a:t>
+            </a:r>
+            <a:r>
+              <a:rPr lang="en-US" dirty="0"/>
+              <a:t>) data definition.</a:t>
+            </a:r>
+          </a:p>
+          <a:p>
+            <a:r>
+              <a:rPr lang="en-US" dirty="0"/>
+              <a:t>Self-reference in the data definition leads to self-reference in the observer template.</a:t>
+            </a:r>
+          </a:p>
+          <a:p>
+            <a:r>
+              <a:rPr lang="en-US" dirty="0"/>
+              <a:t>Self-reference in the observer template leads to self-reference in the code.</a:t>
+            </a:r>
+          </a:p>
+          <a:p>
+            <a:r>
+              <a:rPr lang="en-US" dirty="0"/>
+              <a:t>Writing functions on this kind of data is easy: just Follow The Recipe!</a:t>
+            </a:r>
+          </a:p>
+          <a:p>
+            <a:r>
+              <a:rPr lang="en-US" dirty="0"/>
+              <a:t>But get the template right!</a:t>
+            </a:r>
+          </a:p>
+          <a:p>
+            <a:pPr lvl="1"/>
+            <a:endParaRPr lang="en-US" dirty="0"/>
+          </a:p>
+        </p:txBody>
+      </p:sp>
+      <p:sp>
+        <p:nvSpPr>
+          <p:cNvPr id="4" name="Slide Number Placeholder 3"/>
+          <p:cNvSpPr>
+            <a:spLocks noGrp="1"/>
+          </p:cNvSpPr>
+          <p:nvPr>
+            <p:ph type="sldNum" sz="quarter" idx="12"/>
+          </p:nvPr>
+        </p:nvSpPr>
+        <p:spPr/>
+        <p:txBody>
+          <a:bodyPr/>
+          <a:lstStyle/>
+          <a:p>
+            <a:fld id="{9F4492BD-6A9C-48FC-AC76-0B4FE11194A1}" type="slidenum">
+              <a:rPr lang="en-US" smtClean="0"/>
+              <a:pPr/>
+              <a:t>17</a:t>
+            </a:fld>
+            <a:endParaRPr lang="en-US"/>
+          </a:p>
+        </p:txBody>
+      </p:sp>
+    </p:spTree>
+    <p:extLst>
+      <p:ext uri="{BB962C8B-B14F-4D97-AF65-F5344CB8AC3E}">
+        <p14:creationId xmlns:p14="http://schemas.microsoft.com/office/powerpoint/2010/main" val="1479766722"/>
+      </p:ext>
+    </p:extLst>
+  </p:cSld>
+  <p:clrMapOvr>
+    <a:masterClrMapping/>
+  </p:clrMapOvr>
+</p:sld>
+</file>
+
 <file path=ppt/slides/slide18.xml><?xml version="1.0" encoding="utf-8"?>
 <p:sld xmlns:a="http://schemas.openxmlformats.org/drawingml/2006/main" xmlns:r="http://schemas.openxmlformats.org/officeDocument/2006/relationships" xmlns:p="http://schemas.openxmlformats.org/presentationml/2006/main">
   <p:cSld>
@@ -7391,14 +7039,12 @@
         </p:nvSpPr>
         <p:spPr/>
         <p:txBody>
-          <a:bodyPr>
-            <a:normAutofit fontScale="90000"/>
-          </a:bodyPr>
-          <a:lstStyle/>
-          <a:p>
-            <a:r>
-              <a:rPr lang="en-US" dirty="0"/>
-              <a:t>Module Summary: Self-Referential or Recursive Information</a:t>
+          <a:bodyPr/>
+          <a:lstStyle/>
+          <a:p>
+            <a:r>
+              <a:rPr lang="en-US" dirty="0"/>
+              <a:t>Summary</a:t>
             </a:r>
           </a:p>
         </p:txBody>
@@ -7415,67 +7061,33 @@
         </p:nvSpPr>
         <p:spPr/>
         <p:txBody>
-          <a:bodyPr>
-            <a:normAutofit lnSpcReduction="10000"/>
-          </a:bodyPr>
-          <a:lstStyle/>
-          <a:p>
-            <a:r>
-              <a:rPr lang="en-US" dirty="0"/>
-              <a:t>Represent arbitrary-sized information using a </a:t>
-            </a:r>
-            <a:r>
-              <a:rPr lang="en-US" i="1" dirty="0">
-                <a:solidFill>
-                  <a:srgbClr val="FF0000"/>
-                </a:solidFill>
-              </a:rPr>
-              <a:t>self-referential</a:t>
-            </a:r>
-            <a:r>
-              <a:rPr lang="en-US" dirty="0"/>
-              <a:t> (or </a:t>
-            </a:r>
-            <a:r>
-              <a:rPr lang="en-US" i="1" dirty="0">
-                <a:solidFill>
-                  <a:srgbClr val="FF0000"/>
-                </a:solidFill>
-              </a:rPr>
-              <a:t>recursive</a:t>
-            </a:r>
-            <a:r>
-              <a:rPr lang="en-US" dirty="0"/>
-              <a:t>) data definition.</a:t>
-            </a:r>
-          </a:p>
-          <a:p>
-            <a:r>
-              <a:rPr lang="en-US" dirty="0"/>
-              <a:t>Self-reference in the data definition leads to self-reference in the observer template.</a:t>
-            </a:r>
-          </a:p>
-          <a:p>
-            <a:r>
-              <a:rPr lang="en-US" dirty="0"/>
-              <a:t>Self-reference in the observer template leads to self-reference in the code.</a:t>
-            </a:r>
-          </a:p>
-          <a:p>
-            <a:r>
-              <a:rPr lang="en-US" dirty="0"/>
-              <a:t>Writing functions on this kind of data is easy: just Follow The Recipe!</a:t>
-            </a:r>
-          </a:p>
-          <a:p>
-            <a:r>
-              <a:rPr lang="en-US" dirty="0"/>
-              <a:t>But get the template right!</a:t>
+          <a:bodyPr/>
+          <a:lstStyle/>
+          <a:p>
+            <a:r>
+              <a:rPr lang="en-US" dirty="0"/>
+              <a:t>At the end of this lesson you should be able to:</a:t>
             </a:r>
           </a:p>
           <a:p>
             <a:pPr lvl="1"/>
-            <a:endParaRPr lang="en-US" dirty="0"/>
+            <a:r>
+              <a:rPr lang="en-US" dirty="0"/>
+              <a:t>write down a template for lists of compound data</a:t>
+            </a:r>
+          </a:p>
+          <a:p>
+            <a:pPr lvl="1"/>
+            <a:r>
+              <a:rPr lang="en-US" dirty="0"/>
+              <a:t>use the template to write simple functions on lists of compound data</a:t>
+            </a:r>
+          </a:p>
+          <a:p>
+            <a:r>
+              <a:rPr lang="en-US" dirty="0"/>
+              <a:t>The Guided Practices will give you some exercise in doing this.</a:t>
+            </a:r>
           </a:p>
         </p:txBody>
       </p:sp>
@@ -7506,7 +7118,7 @@
     </p:spTree>
     <p:extLst>
       <p:ext uri="{BB962C8B-B14F-4D97-AF65-F5344CB8AC3E}">
-        <p14:creationId xmlns:p14="http://schemas.microsoft.com/office/powerpoint/2010/main" val="1479766722"/>
+        <p14:creationId xmlns:p14="http://schemas.microsoft.com/office/powerpoint/2010/main" val="4124763739"/>
       </p:ext>
     </p:extLst>
   </p:cSld>
@@ -7550,7 +7162,7 @@
           <a:p>
             <a:r>
               <a:rPr lang="en-US" dirty="0"/>
-              <a:t>Summary</a:t>
+              <a:t>Next Steps</a:t>
             </a:r>
           </a:p>
         </p:txBody>
@@ -7572,27 +7184,26 @@
           <a:p>
             <a:r>
               <a:rPr lang="en-US" dirty="0"/>
-              <a:t>At the end of this lesson you should be able to:</a:t>
-            </a:r>
-          </a:p>
-          <a:p>
-            <a:pPr lvl="1"/>
-            <a:r>
-              <a:rPr lang="en-US" dirty="0"/>
-              <a:t>write down a template for lists of compound data</a:t>
-            </a:r>
-          </a:p>
-          <a:p>
-            <a:pPr lvl="1"/>
-            <a:r>
-              <a:rPr lang="en-US" dirty="0"/>
-              <a:t>use the template to write simple functions on lists of compound data</a:t>
-            </a:r>
-          </a:p>
-          <a:p>
-            <a:r>
-              <a:rPr lang="en-US" dirty="0"/>
-              <a:t>The Guided Practices will give you some exercise in doing this.</a:t>
+              <a:t>Study 04-2-books.rkt in the Examples file</a:t>
+            </a:r>
+          </a:p>
+          <a:p>
+            <a:r>
+              <a:rPr lang="en-US" dirty="0"/>
+              <a:t>If you have questions about this lesson, ask them on the Discussion Board</a:t>
+            </a:r>
+          </a:p>
+          <a:p>
+            <a:r>
+              <a:rPr lang="en-US"/>
+              <a:t>Do Guided Practice 4.4</a:t>
+            </a:r>
+            <a:endParaRPr lang="en-US" dirty="0"/>
+          </a:p>
+          <a:p>
+            <a:r>
+              <a:rPr lang="en-US" dirty="0"/>
+              <a:t>Go on to the next lesson</a:t>
             </a:r>
           </a:p>
         </p:txBody>
@@ -7624,7 +7235,7 @@
     </p:spTree>
     <p:extLst>
       <p:ext uri="{BB962C8B-B14F-4D97-AF65-F5344CB8AC3E}">
-        <p14:creationId xmlns:p14="http://schemas.microsoft.com/office/powerpoint/2010/main" val="4124763739"/>
+        <p14:creationId xmlns:p14="http://schemas.microsoft.com/office/powerpoint/2010/main" val="3418306170"/>
       </p:ext>
     </p:extLst>
   </p:cSld>
@@ -7745,123 +7356,6 @@
     <p:extLst>
       <p:ext uri="{BB962C8B-B14F-4D97-AF65-F5344CB8AC3E}">
         <p14:creationId xmlns:p14="http://schemas.microsoft.com/office/powerpoint/2010/main" val="594621333"/>
-      </p:ext>
-    </p:extLst>
-  </p:cSld>
-  <p:clrMapOvr>
-    <a:masterClrMapping/>
-  </p:clrMapOvr>
-</p:sld>
-</file>
-
-<file path=ppt/slides/slide20.xml><?xml version="1.0" encoding="utf-8"?>
-<p:sld xmlns:a="http://schemas.openxmlformats.org/drawingml/2006/main" xmlns:r="http://schemas.openxmlformats.org/officeDocument/2006/relationships" xmlns:p="http://schemas.openxmlformats.org/presentationml/2006/main">
-  <p:cSld>
-    <p:spTree>
-      <p:nvGrpSpPr>
-        <p:cNvPr id="1" name=""/>
-        <p:cNvGrpSpPr/>
-        <p:nvPr/>
-      </p:nvGrpSpPr>
-      <p:grpSpPr>
-        <a:xfrm>
-          <a:off x="0" y="0"/>
-          <a:ext cx="0" cy="0"/>
-          <a:chOff x="0" y="0"/>
-          <a:chExt cx="0" cy="0"/>
-        </a:xfrm>
-      </p:grpSpPr>
-      <p:sp>
-        <p:nvSpPr>
-          <p:cNvPr id="2" name="Title 1"/>
-          <p:cNvSpPr>
-            <a:spLocks noGrp="1"/>
-          </p:cNvSpPr>
-          <p:nvPr>
-            <p:ph type="title"/>
-          </p:nvPr>
-        </p:nvSpPr>
-        <p:spPr/>
-        <p:txBody>
-          <a:bodyPr/>
-          <a:lstStyle/>
-          <a:p>
-            <a:r>
-              <a:rPr lang="en-US" dirty="0"/>
-              <a:t>Next Steps</a:t>
-            </a:r>
-          </a:p>
-        </p:txBody>
-      </p:sp>
-      <p:sp>
-        <p:nvSpPr>
-          <p:cNvPr id="3" name="Content Placeholder 2"/>
-          <p:cNvSpPr>
-            <a:spLocks noGrp="1"/>
-          </p:cNvSpPr>
-          <p:nvPr>
-            <p:ph idx="1"/>
-          </p:nvPr>
-        </p:nvSpPr>
-        <p:spPr/>
-        <p:txBody>
-          <a:bodyPr/>
-          <a:lstStyle/>
-          <a:p>
-            <a:r>
-              <a:rPr lang="en-US" dirty="0"/>
-              <a:t>Study 04-2-books.rkt in the Examples file</a:t>
-            </a:r>
-          </a:p>
-          <a:p>
-            <a:r>
-              <a:rPr lang="en-US" dirty="0"/>
-              <a:t>If you have questions about this lesson, ask them on the Discussion Board</a:t>
-            </a:r>
-          </a:p>
-          <a:p>
-            <a:r>
-              <a:rPr lang="en-US"/>
-              <a:t>Do Guided Practice 4.4</a:t>
-            </a:r>
-            <a:endParaRPr lang="en-US" dirty="0"/>
-          </a:p>
-          <a:p>
-            <a:r>
-              <a:rPr lang="en-US" dirty="0"/>
-              <a:t>Go on to the next lesson</a:t>
-            </a:r>
-          </a:p>
-        </p:txBody>
-      </p:sp>
-      <p:sp>
-        <p:nvSpPr>
-          <p:cNvPr id="4" name="Slide Number Placeholder 3"/>
-          <p:cNvSpPr>
-            <a:spLocks noGrp="1"/>
-          </p:cNvSpPr>
-          <p:nvPr>
-            <p:ph type="sldNum" sz="quarter" idx="12"/>
-          </p:nvPr>
-        </p:nvSpPr>
-        <p:spPr/>
-        <p:txBody>
-          <a:bodyPr/>
-          <a:lstStyle/>
-          <a:p>
-            <a:fld id="{9F4492BD-6A9C-48FC-AC76-0B4FE11194A1}" type="slidenum">
-              <a:rPr lang="en-US" smtClean="0"/>
-              <a:pPr/>
-              <a:t>20</a:t>
-            </a:fld>
-            <a:endParaRPr lang="en-US"/>
-          </a:p>
-        </p:txBody>
-      </p:sp>
-    </p:spTree>
-    <p:extLst>
-      <p:ext uri="{BB962C8B-B14F-4D97-AF65-F5344CB8AC3E}">
-        <p14:creationId xmlns:p14="http://schemas.microsoft.com/office/powerpoint/2010/main" val="3418306170"/>
       </p:ext>
     </p:extLst>
   </p:cSld>

--- a/Slides/Lesson 4.3 Lists of Structures.pptx
+++ b/Slides/Lesson 4.3 Lists of Structures.pptx
@@ -257,7 +257,7 @@
             <a:fld id="{CF8F25F6-E1EF-4065-8525-42EDEBD9BD22}" type="datetimeFigureOut">
               <a:rPr lang="en-US" smtClean="0"/>
               <a:pPr/>
-              <a:t>8/6/2017</a:t>
+              <a:t>8/11/2017</a:t>
             </a:fld>
             <a:endParaRPr lang="en-US"/>
           </a:p>
@@ -1052,7 +1052,7 @@
           <a:p>
             <a:fld id="{2F1F79F5-7BEC-496A-AFC7-876E38F64D71}" type="datetime1">
               <a:rPr lang="en-US" smtClean="0"/>
-              <a:t>8/6/2017</a:t>
+              <a:t>8/11/2017</a:t>
             </a:fld>
             <a:endParaRPr lang="en-US"/>
           </a:p>
@@ -1147,7 +1147,7 @@
           <a:p>
             <a:fld id="{0A05703A-7669-4FEA-9056-25299B4D29D4}" type="datetime1">
               <a:rPr lang="en-US" smtClean="0"/>
-              <a:t>8/6/2017</a:t>
+              <a:t>8/11/2017</a:t>
             </a:fld>
             <a:endParaRPr lang="en-US"/>
           </a:p>
@@ -1422,7 +1422,7 @@
           <a:p>
             <a:fld id="{6E5077B5-BB57-49DB-88CA-226A139E5C01}" type="datetime1">
               <a:rPr lang="en-US" smtClean="0"/>
-              <a:t>8/6/2017</a:t>
+              <a:t>8/11/2017</a:t>
             </a:fld>
             <a:endParaRPr lang="en-US"/>
           </a:p>
@@ -1674,7 +1674,7 @@
           <a:p>
             <a:fld id="{C48D9447-CBD6-49A1-89FD-8512A8CF8999}" type="datetime1">
               <a:rPr lang="en-US" smtClean="0"/>
-              <a:t>8/6/2017</a:t>
+              <a:t>8/11/2017</a:t>
             </a:fld>
             <a:endParaRPr lang="en-US"/>
           </a:p>
@@ -1842,7 +1842,7 @@
           <a:p>
             <a:fld id="{A3639A2A-823D-48B7-9ACE-7FAF42870BA9}" type="datetime1">
               <a:rPr lang="en-US" smtClean="0"/>
-              <a:t>8/6/2017</a:t>
+              <a:t>8/11/2017</a:t>
             </a:fld>
             <a:endParaRPr lang="en-US"/>
           </a:p>
@@ -2020,7 +2020,7 @@
           <a:p>
             <a:fld id="{ED1B6996-82E9-463C-972C-7B56056E426C}" type="datetime1">
               <a:rPr lang="en-US" smtClean="0"/>
-              <a:t>8/6/2017</a:t>
+              <a:t>8/11/2017</a:t>
             </a:fld>
             <a:endParaRPr lang="en-US"/>
           </a:p>
@@ -2194,7 +2194,7 @@
           <a:p>
             <a:fld id="{E22ED4DA-448D-4BB1-B935-CC112220207B}" type="datetime1">
               <a:rPr lang="en-US" smtClean="0"/>
-              <a:t>8/6/2017</a:t>
+              <a:t>8/11/2017</a:t>
             </a:fld>
             <a:endParaRPr lang="en-US"/>
           </a:p>
@@ -2367,7 +2367,7 @@
           <a:p>
             <a:fld id="{E22ED4DA-448D-4BB1-B935-CC112220207B}" type="datetime1">
               <a:rPr lang="en-US" smtClean="0"/>
-              <a:t>8/6/2017</a:t>
+              <a:t>8/11/2017</a:t>
             </a:fld>
             <a:endParaRPr lang="en-US"/>
           </a:p>
@@ -2627,7 +2627,7 @@
           <a:p>
             <a:fld id="{FF5D65A6-AB94-4435-B0B7-3743215FA46C}" type="datetime1">
               <a:rPr lang="en-US" smtClean="0"/>
-              <a:t>8/6/2017</a:t>
+              <a:t>8/11/2017</a:t>
             </a:fld>
             <a:endParaRPr lang="en-US"/>
           </a:p>
@@ -2803,7 +2803,7 @@
           <a:p>
             <a:fld id="{FF5D65A6-AB94-4435-B0B7-3743215FA46C}" type="datetime1">
               <a:rPr lang="en-US" smtClean="0"/>
-              <a:t>8/6/2017</a:t>
+              <a:t>8/11/2017</a:t>
             </a:fld>
             <a:endParaRPr lang="en-US"/>
           </a:p>
@@ -3097,7 +3097,7 @@
           <a:p>
             <a:fld id="{7C193DC4-6EF0-48C9-B29C-616106A645E1}" type="datetime1">
               <a:rPr lang="en-US" smtClean="0"/>
-              <a:t>8/6/2017</a:t>
+              <a:t>8/11/2017</a:t>
             </a:fld>
             <a:endParaRPr lang="en-US"/>
           </a:p>
@@ -3382,7 +3382,7 @@
           <a:p>
             <a:fld id="{5D1846AD-9252-4647-9435-4C2AC365653A}" type="datetime1">
               <a:rPr lang="en-US" smtClean="0"/>
-              <a:t>8/6/2017</a:t>
+              <a:t>8/11/2017</a:t>
             </a:fld>
             <a:endParaRPr lang="en-US"/>
           </a:p>
@@ -3801,7 +3801,7 @@
           <a:p>
             <a:fld id="{CE56DC10-3561-4063-A6AF-C1CC7A41040A}" type="datetime1">
               <a:rPr lang="en-US" smtClean="0"/>
-              <a:t>8/6/2017</a:t>
+              <a:t>8/11/2017</a:t>
             </a:fld>
             <a:endParaRPr lang="en-US"/>
           </a:p>
@@ -3918,7 +3918,7 @@
           <a:p>
             <a:fld id="{2F7B77F5-1464-4F6B-92A8-64FC8A508293}" type="datetime1">
               <a:rPr lang="en-US" smtClean="0"/>
-              <a:t>8/6/2017</a:t>
+              <a:t>8/11/2017</a:t>
             </a:fld>
             <a:endParaRPr lang="en-US"/>
           </a:p>
@@ -4141,7 +4141,7 @@
           <a:p>
             <a:fld id="{02B3F677-983B-48DB-ADFD-63FE6CBC7FB2}" type="datetime1">
               <a:rPr lang="en-US" smtClean="0"/>
-              <a:t>8/6/2017</a:t>
+              <a:t>8/11/2017</a:t>
             </a:fld>
             <a:endParaRPr lang="en-US"/>
           </a:p>
@@ -5463,7 +5463,15 @@
             </a:r>
             <a:r>
               <a:rPr lang="en-US" dirty="0"/>
-              <a:t>, it would also be OK to write the observer template like this.  These templates are there to serve as a guide for you, so we going to try not to be too picky about them.</a:t>
+              <a:t>, it would also be OK to write the observer template like this.  These templates are there to serve as a guide for you, so </a:t>
+            </a:r>
+            <a:r>
+              <a:rPr lang="en-US"/>
+              <a:t>we are going </a:t>
+            </a:r>
+            <a:r>
+              <a:rPr lang="en-US" dirty="0"/>
+              <a:t>to try not to be too picky about them.</a:t>
             </a:r>
           </a:p>
         </p:txBody>
